--- a/CDR.pptx
+++ b/CDR.pptx
@@ -6,6 +6,10 @@
   </p:sldMasterIdLst>
   <p:sldIdLst>
     <p:sldId id="256" r:id="rId2"/>
+    <p:sldId id="257" r:id="rId3"/>
+    <p:sldId id="258" r:id="rId4"/>
+    <p:sldId id="259" r:id="rId5"/>
+    <p:sldId id="260" r:id="rId6"/>
   </p:sldIdLst>
   <p:sldSz cx="12192000" cy="6858000"/>
   <p:notesSz cx="6858000" cy="9144000"/>
@@ -104,7 +108,16 @@
       </a:defRPr>
     </a:lvl9pPr>
   </p:defaultTextStyle>
+  <p:extLst>
+    <p:ext uri="{EFAFB233-063F-42B5-8137-9DF3F51BA10A}">
+      <p15:sldGuideLst xmlns:p15="http://schemas.microsoft.com/office/powerpoint/2012/main"/>
+    </p:ext>
+  </p:extLst>
 </p:presentation>
+</file>
+
+<file path=ppt/revisionInfo.xml><?xml version="1.0" encoding="utf-8"?>
+<p1510:revInfo xmlns:a="http://schemas.openxmlformats.org/drawingml/2006/main" xmlns:r="http://schemas.openxmlformats.org/officeDocument/2006/relationships" xmlns:p1510="http://schemas.microsoft.com/office/powerpoint/2015/10/main"/>
 </file>
 
 <file path=ppt/slideLayouts/slideLayout1.xml><?xml version="1.0" encoding="utf-8"?>
@@ -164,7 +177,7 @@
           <a:noFill/>
           <a:extLst>
             <a:ext uri="{909E8E84-426E-40dd-AFC4-6F175D3DCCD1}">
-              <a14:hiddenFill xmlns:a14="http://schemas.microsoft.com/office/drawing/2010/main" xmlns="">
+              <a14:hiddenFill xmlns="" xmlns:a14="http://schemas.microsoft.com/office/drawing/2010/main">
                 <a:solidFill>
                   <a:srgbClr val="FFFFFF"/>
                 </a:solidFill>
@@ -224,7 +237,7 @@
             </a:ln>
             <a:extLst>
               <a:ext uri="{91240B29-F687-4f45-9708-019B960494DF}">
-                <a14:hiddenLine xmlns:a14="http://schemas.microsoft.com/office/drawing/2010/main" xmlns="" w="9525">
+                <a14:hiddenLine xmlns="" xmlns:a14="http://schemas.microsoft.com/office/drawing/2010/main" w="9525">
                   <a:solidFill>
                     <a:srgbClr val="000000"/>
                   </a:solidFill>
@@ -314,7 +327,7 @@
             </a:ln>
             <a:extLst>
               <a:ext uri="{91240B29-F687-4f45-9708-019B960494DF}">
-                <a14:hiddenLine xmlns:a14="http://schemas.microsoft.com/office/drawing/2010/main" xmlns="" w="9525">
+                <a14:hiddenLine xmlns="" xmlns:a14="http://schemas.microsoft.com/office/drawing/2010/main" w="9525">
                   <a:solidFill>
                     <a:srgbClr val="000000"/>
                   </a:solidFill>
@@ -404,7 +417,7 @@
             </a:ln>
             <a:extLst>
               <a:ext uri="{91240B29-F687-4f45-9708-019B960494DF}">
-                <a14:hiddenLine xmlns:a14="http://schemas.microsoft.com/office/drawing/2010/main" xmlns="" w="9525">
+                <a14:hiddenLine xmlns="" xmlns:a14="http://schemas.microsoft.com/office/drawing/2010/main" w="9525">
                   <a:solidFill>
                     <a:srgbClr val="000000"/>
                   </a:solidFill>
@@ -438,7 +451,7 @@
             </a:ln>
             <a:extLst>
               <a:ext uri="{91240B29-F687-4f45-9708-019B960494DF}">
-                <a14:hiddenLine xmlns:a14="http://schemas.microsoft.com/office/drawing/2010/main" xmlns="" w="9525">
+                <a14:hiddenLine xmlns="" xmlns:a14="http://schemas.microsoft.com/office/drawing/2010/main" w="9525">
                   <a:solidFill>
                     <a:srgbClr val="000000"/>
                   </a:solidFill>
@@ -528,7 +541,7 @@
             </a:ln>
             <a:extLst>
               <a:ext uri="{91240B29-F687-4f45-9708-019B960494DF}">
-                <a14:hiddenLine xmlns:a14="http://schemas.microsoft.com/office/drawing/2010/main" xmlns="" w="9525">
+                <a14:hiddenLine xmlns="" xmlns:a14="http://schemas.microsoft.com/office/drawing/2010/main" w="9525">
                   <a:solidFill>
                     <a:srgbClr val="000000"/>
                   </a:solidFill>
@@ -590,7 +603,7 @@
             </a:ln>
             <a:extLst>
               <a:ext uri="{91240B29-F687-4f45-9708-019B960494DF}">
-                <a14:hiddenLine xmlns:a14="http://schemas.microsoft.com/office/drawing/2010/main" xmlns="" w="9525">
+                <a14:hiddenLine xmlns="" xmlns:a14="http://schemas.microsoft.com/office/drawing/2010/main" w="9525">
                   <a:solidFill>
                     <a:srgbClr val="000000"/>
                   </a:solidFill>
@@ -652,7 +665,7 @@
             </a:ln>
             <a:extLst>
               <a:ext uri="{91240B29-F687-4f45-9708-019B960494DF}">
-                <a14:hiddenLine xmlns:a14="http://schemas.microsoft.com/office/drawing/2010/main" xmlns="" w="9525">
+                <a14:hiddenLine xmlns="" xmlns:a14="http://schemas.microsoft.com/office/drawing/2010/main" w="9525">
                   <a:solidFill>
                     <a:srgbClr val="000000"/>
                   </a:solidFill>
@@ -742,7 +755,7 @@
             </a:ln>
             <a:extLst>
               <a:ext uri="{91240B29-F687-4f45-9708-019B960494DF}">
-                <a14:hiddenLine xmlns:a14="http://schemas.microsoft.com/office/drawing/2010/main" xmlns="" w="9525">
+                <a14:hiddenLine xmlns="" xmlns:a14="http://schemas.microsoft.com/office/drawing/2010/main" w="9525">
                   <a:solidFill>
                     <a:srgbClr val="000000"/>
                   </a:solidFill>
@@ -804,7 +817,7 @@
             </a:ln>
             <a:extLst>
               <a:ext uri="{91240B29-F687-4f45-9708-019B960494DF}">
-                <a14:hiddenLine xmlns:a14="http://schemas.microsoft.com/office/drawing/2010/main" xmlns="" w="9525">
+                <a14:hiddenLine xmlns="" xmlns:a14="http://schemas.microsoft.com/office/drawing/2010/main" w="9525">
                   <a:solidFill>
                     <a:srgbClr val="000000"/>
                   </a:solidFill>
@@ -866,7 +879,7 @@
             </a:ln>
             <a:extLst>
               <a:ext uri="{91240B29-F687-4f45-9708-019B960494DF}">
-                <a14:hiddenLine xmlns:a14="http://schemas.microsoft.com/office/drawing/2010/main" xmlns="" w="9525">
+                <a14:hiddenLine xmlns="" xmlns:a14="http://schemas.microsoft.com/office/drawing/2010/main" w="9525">
                   <a:solidFill>
                     <a:srgbClr val="000000"/>
                   </a:solidFill>
@@ -956,7 +969,7 @@
             </a:ln>
             <a:extLst>
               <a:ext uri="{91240B29-F687-4f45-9708-019B960494DF}">
-                <a14:hiddenLine xmlns:a14="http://schemas.microsoft.com/office/drawing/2010/main" xmlns="" w="9525">
+                <a14:hiddenLine xmlns="" xmlns:a14="http://schemas.microsoft.com/office/drawing/2010/main" w="9525">
                   <a:solidFill>
                     <a:srgbClr val="000000"/>
                   </a:solidFill>
@@ -1046,7 +1059,7 @@
             </a:ln>
             <a:extLst>
               <a:ext uri="{91240B29-F687-4f45-9708-019B960494DF}">
-                <a14:hiddenLine xmlns:a14="http://schemas.microsoft.com/office/drawing/2010/main" xmlns="" w="9525">
+                <a14:hiddenLine xmlns="" xmlns:a14="http://schemas.microsoft.com/office/drawing/2010/main" w="9525">
                   <a:solidFill>
                     <a:srgbClr val="000000"/>
                   </a:solidFill>
@@ -1108,7 +1121,7 @@
             </a:ln>
             <a:extLst>
               <a:ext uri="{91240B29-F687-4f45-9708-019B960494DF}">
-                <a14:hiddenLine xmlns:a14="http://schemas.microsoft.com/office/drawing/2010/main" xmlns="" w="9525">
+                <a14:hiddenLine xmlns="" xmlns:a14="http://schemas.microsoft.com/office/drawing/2010/main" w="9525">
                   <a:solidFill>
                     <a:srgbClr val="000000"/>
                   </a:solidFill>
@@ -1218,7 +1231,7 @@
             </a:ln>
             <a:extLst>
               <a:ext uri="{91240B29-F687-4f45-9708-019B960494DF}">
-                <a14:hiddenLine xmlns:a14="http://schemas.microsoft.com/office/drawing/2010/main" xmlns="" w="9525">
+                <a14:hiddenLine xmlns="" xmlns:a14="http://schemas.microsoft.com/office/drawing/2010/main" w="9525">
                   <a:solidFill>
                     <a:srgbClr val="000000"/>
                   </a:solidFill>
@@ -1280,7 +1293,7 @@
             </a:ln>
             <a:extLst>
               <a:ext uri="{91240B29-F687-4f45-9708-019B960494DF}">
-                <a14:hiddenLine xmlns:a14="http://schemas.microsoft.com/office/drawing/2010/main" xmlns="" w="9525">
+                <a14:hiddenLine xmlns="" xmlns:a14="http://schemas.microsoft.com/office/drawing/2010/main" w="9525">
                   <a:solidFill>
                     <a:srgbClr val="000000"/>
                   </a:solidFill>
@@ -1370,7 +1383,7 @@
             </a:ln>
             <a:extLst>
               <a:ext uri="{91240B29-F687-4f45-9708-019B960494DF}">
-                <a14:hiddenLine xmlns:a14="http://schemas.microsoft.com/office/drawing/2010/main" xmlns="" w="9525">
+                <a14:hiddenLine xmlns="" xmlns:a14="http://schemas.microsoft.com/office/drawing/2010/main" w="9525">
                   <a:solidFill>
                     <a:srgbClr val="000000"/>
                   </a:solidFill>
@@ -1460,7 +1473,7 @@
             </a:ln>
             <a:extLst>
               <a:ext uri="{91240B29-F687-4f45-9708-019B960494DF}">
-                <a14:hiddenLine xmlns:a14="http://schemas.microsoft.com/office/drawing/2010/main" xmlns="" w="9525">
+                <a14:hiddenLine xmlns="" xmlns:a14="http://schemas.microsoft.com/office/drawing/2010/main" w="9525">
                   <a:solidFill>
                     <a:srgbClr val="000000"/>
                   </a:solidFill>
@@ -1522,7 +1535,7 @@
             </a:ln>
             <a:extLst>
               <a:ext uri="{91240B29-F687-4f45-9708-019B960494DF}">
-                <a14:hiddenLine xmlns:a14="http://schemas.microsoft.com/office/drawing/2010/main" xmlns="" w="9525">
+                <a14:hiddenLine xmlns="" xmlns:a14="http://schemas.microsoft.com/office/drawing/2010/main" w="9525">
                   <a:solidFill>
                     <a:srgbClr val="000000"/>
                   </a:solidFill>
@@ -1612,7 +1625,7 @@
             </a:ln>
             <a:extLst>
               <a:ext uri="{91240B29-F687-4f45-9708-019B960494DF}">
-                <a14:hiddenLine xmlns:a14="http://schemas.microsoft.com/office/drawing/2010/main" xmlns="" w="9525">
+                <a14:hiddenLine xmlns="" xmlns:a14="http://schemas.microsoft.com/office/drawing/2010/main" w="9525">
                   <a:solidFill>
                     <a:srgbClr val="000000"/>
                   </a:solidFill>
@@ -1702,7 +1715,7 @@
             </a:ln>
             <a:extLst>
               <a:ext uri="{91240B29-F687-4f45-9708-019B960494DF}">
-                <a14:hiddenLine xmlns:a14="http://schemas.microsoft.com/office/drawing/2010/main" xmlns="" w="9525">
+                <a14:hiddenLine xmlns="" xmlns:a14="http://schemas.microsoft.com/office/drawing/2010/main" w="9525">
                   <a:solidFill>
                     <a:srgbClr val="000000"/>
                   </a:solidFill>
@@ -1758,7 +1771,7 @@
             </a:ln>
             <a:extLst>
               <a:ext uri="{91240B29-F687-4f45-9708-019B960494DF}">
-                <a14:hiddenLine xmlns:a14="http://schemas.microsoft.com/office/drawing/2010/main" xmlns="" w="9525">
+                <a14:hiddenLine xmlns="" xmlns:a14="http://schemas.microsoft.com/office/drawing/2010/main" w="9525">
                   <a:solidFill>
                     <a:srgbClr val="000000"/>
                   </a:solidFill>
@@ -1848,7 +1861,7 @@
             </a:ln>
             <a:extLst>
               <a:ext uri="{91240B29-F687-4f45-9708-019B960494DF}">
-                <a14:hiddenLine xmlns:a14="http://schemas.microsoft.com/office/drawing/2010/main" xmlns="" w="9525">
+                <a14:hiddenLine xmlns="" xmlns:a14="http://schemas.microsoft.com/office/drawing/2010/main" w="9525">
                   <a:solidFill>
                     <a:srgbClr val="000000"/>
                   </a:solidFill>
@@ -1904,7 +1917,7 @@
             </a:ln>
             <a:extLst>
               <a:ext uri="{91240B29-F687-4f45-9708-019B960494DF}">
-                <a14:hiddenLine xmlns:a14="http://schemas.microsoft.com/office/drawing/2010/main" xmlns="" w="9525">
+                <a14:hiddenLine xmlns="" xmlns:a14="http://schemas.microsoft.com/office/drawing/2010/main" w="9525">
                   <a:solidFill>
                     <a:srgbClr val="000000"/>
                   </a:solidFill>
@@ -1994,7 +2007,7 @@
             </a:ln>
             <a:extLst>
               <a:ext uri="{91240B29-F687-4f45-9708-019B960494DF}">
-                <a14:hiddenLine xmlns:a14="http://schemas.microsoft.com/office/drawing/2010/main" xmlns="" w="9525">
+                <a14:hiddenLine xmlns="" xmlns:a14="http://schemas.microsoft.com/office/drawing/2010/main" w="9525">
                   <a:solidFill>
                     <a:srgbClr val="000000"/>
                   </a:solidFill>
@@ -2062,7 +2075,7 @@
             </a:ln>
             <a:extLst>
               <a:ext uri="{91240B29-F687-4f45-9708-019B960494DF}">
-                <a14:hiddenLine xmlns:a14="http://schemas.microsoft.com/office/drawing/2010/main" xmlns="" w="9525">
+                <a14:hiddenLine xmlns="" xmlns:a14="http://schemas.microsoft.com/office/drawing/2010/main" w="9525">
                   <a:solidFill>
                     <a:srgbClr val="000000"/>
                   </a:solidFill>
@@ -2152,7 +2165,7 @@
             </a:ln>
             <a:extLst>
               <a:ext uri="{91240B29-F687-4f45-9708-019B960494DF}">
-                <a14:hiddenLine xmlns:a14="http://schemas.microsoft.com/office/drawing/2010/main" xmlns="" w="9525">
+                <a14:hiddenLine xmlns="" xmlns:a14="http://schemas.microsoft.com/office/drawing/2010/main" w="9525">
                   <a:solidFill>
                     <a:srgbClr val="000000"/>
                   </a:solidFill>
@@ -2220,7 +2233,7 @@
             </a:ln>
             <a:extLst>
               <a:ext uri="{91240B29-F687-4f45-9708-019B960494DF}">
-                <a14:hiddenLine xmlns:a14="http://schemas.microsoft.com/office/drawing/2010/main" xmlns="" w="9525">
+                <a14:hiddenLine xmlns="" xmlns:a14="http://schemas.microsoft.com/office/drawing/2010/main" w="9525">
                   <a:solidFill>
                     <a:srgbClr val="000000"/>
                   </a:solidFill>
@@ -2310,7 +2323,7 @@
             </a:ln>
             <a:extLst>
               <a:ext uri="{91240B29-F687-4f45-9708-019B960494DF}">
-                <a14:hiddenLine xmlns:a14="http://schemas.microsoft.com/office/drawing/2010/main" xmlns="" w="9525">
+                <a14:hiddenLine xmlns="" xmlns:a14="http://schemas.microsoft.com/office/drawing/2010/main" w="9525">
                   <a:solidFill>
                     <a:srgbClr val="000000"/>
                   </a:solidFill>
@@ -2344,7 +2357,7 @@
             </a:ln>
             <a:extLst>
               <a:ext uri="{91240B29-F687-4f45-9708-019B960494DF}">
-                <a14:hiddenLine xmlns:a14="http://schemas.microsoft.com/office/drawing/2010/main" xmlns="" w="9525">
+                <a14:hiddenLine xmlns="" xmlns:a14="http://schemas.microsoft.com/office/drawing/2010/main" w="9525">
                   <a:solidFill>
                     <a:srgbClr val="000000"/>
                   </a:solidFill>
@@ -2434,7 +2447,7 @@
             </a:ln>
             <a:extLst>
               <a:ext uri="{91240B29-F687-4f45-9708-019B960494DF}">
-                <a14:hiddenLine xmlns:a14="http://schemas.microsoft.com/office/drawing/2010/main" xmlns="" w="9525">
+                <a14:hiddenLine xmlns="" xmlns:a14="http://schemas.microsoft.com/office/drawing/2010/main" w="9525">
                   <a:solidFill>
                     <a:srgbClr val="000000"/>
                   </a:solidFill>
@@ -2496,7 +2509,7 @@
             </a:ln>
             <a:extLst>
               <a:ext uri="{91240B29-F687-4f45-9708-019B960494DF}">
-                <a14:hiddenLine xmlns:a14="http://schemas.microsoft.com/office/drawing/2010/main" xmlns="" w="9525">
+                <a14:hiddenLine xmlns="" xmlns:a14="http://schemas.microsoft.com/office/drawing/2010/main" w="9525">
                   <a:solidFill>
                     <a:srgbClr val="000000"/>
                   </a:solidFill>
@@ -2558,7 +2571,7 @@
             </a:ln>
             <a:extLst>
               <a:ext uri="{91240B29-F687-4f45-9708-019B960494DF}">
-                <a14:hiddenLine xmlns:a14="http://schemas.microsoft.com/office/drawing/2010/main" xmlns="" w="9525">
+                <a14:hiddenLine xmlns="" xmlns:a14="http://schemas.microsoft.com/office/drawing/2010/main" w="9525">
                   <a:solidFill>
                     <a:srgbClr val="000000"/>
                   </a:solidFill>
@@ -2648,7 +2661,7 @@
             </a:ln>
             <a:extLst>
               <a:ext uri="{91240B29-F687-4f45-9708-019B960494DF}">
-                <a14:hiddenLine xmlns:a14="http://schemas.microsoft.com/office/drawing/2010/main" xmlns="" w="9525">
+                <a14:hiddenLine xmlns="" xmlns:a14="http://schemas.microsoft.com/office/drawing/2010/main" w="9525">
                   <a:solidFill>
                     <a:srgbClr val="000000"/>
                   </a:solidFill>
@@ -2716,7 +2729,7 @@
             </a:ln>
             <a:extLst>
               <a:ext uri="{91240B29-F687-4f45-9708-019B960494DF}">
-                <a14:hiddenLine xmlns:a14="http://schemas.microsoft.com/office/drawing/2010/main" xmlns="" w="9525">
+                <a14:hiddenLine xmlns="" xmlns:a14="http://schemas.microsoft.com/office/drawing/2010/main" w="9525">
                   <a:solidFill>
                     <a:srgbClr val="000000"/>
                   </a:solidFill>
@@ -2778,7 +2791,7 @@
             </a:ln>
             <a:extLst>
               <a:ext uri="{91240B29-F687-4f45-9708-019B960494DF}">
-                <a14:hiddenLine xmlns:a14="http://schemas.microsoft.com/office/drawing/2010/main" xmlns="" w="9525">
+                <a14:hiddenLine xmlns="" xmlns:a14="http://schemas.microsoft.com/office/drawing/2010/main" w="9525">
                   <a:solidFill>
                     <a:srgbClr val="000000"/>
                   </a:solidFill>
@@ -2868,7 +2881,7 @@
             </a:ln>
             <a:extLst>
               <a:ext uri="{91240B29-F687-4f45-9708-019B960494DF}">
-                <a14:hiddenLine xmlns:a14="http://schemas.microsoft.com/office/drawing/2010/main" xmlns="" w="9525">
+                <a14:hiddenLine xmlns="" xmlns:a14="http://schemas.microsoft.com/office/drawing/2010/main" w="9525">
                   <a:solidFill>
                     <a:srgbClr val="000000"/>
                   </a:solidFill>
@@ -2930,7 +2943,7 @@
             </a:ln>
             <a:extLst>
               <a:ext uri="{91240B29-F687-4f45-9708-019B960494DF}">
-                <a14:hiddenLine xmlns:a14="http://schemas.microsoft.com/office/drawing/2010/main" xmlns="" w="9525">
+                <a14:hiddenLine xmlns="" xmlns:a14="http://schemas.microsoft.com/office/drawing/2010/main" w="9525">
                   <a:solidFill>
                     <a:srgbClr val="000000"/>
                   </a:solidFill>
@@ -3020,7 +3033,7 @@
             </a:ln>
             <a:extLst>
               <a:ext uri="{91240B29-F687-4f45-9708-019B960494DF}">
-                <a14:hiddenLine xmlns:a14="http://schemas.microsoft.com/office/drawing/2010/main" xmlns="" w="9525">
+                <a14:hiddenLine xmlns="" xmlns:a14="http://schemas.microsoft.com/office/drawing/2010/main" w="9525">
                   <a:solidFill>
                     <a:srgbClr val="000000"/>
                   </a:solidFill>
@@ -3082,7 +3095,7 @@
             </a:ln>
             <a:extLst>
               <a:ext uri="{91240B29-F687-4f45-9708-019B960494DF}">
-                <a14:hiddenLine xmlns:a14="http://schemas.microsoft.com/office/drawing/2010/main" xmlns="" w="9525">
+                <a14:hiddenLine xmlns="" xmlns:a14="http://schemas.microsoft.com/office/drawing/2010/main" w="9525">
                   <a:solidFill>
                     <a:srgbClr val="000000"/>
                   </a:solidFill>
@@ -3172,7 +3185,7 @@
             </a:ln>
             <a:extLst>
               <a:ext uri="{91240B29-F687-4f45-9708-019B960494DF}">
-                <a14:hiddenLine xmlns:a14="http://schemas.microsoft.com/office/drawing/2010/main" xmlns="" w="9525">
+                <a14:hiddenLine xmlns="" xmlns:a14="http://schemas.microsoft.com/office/drawing/2010/main" w="9525">
                   <a:solidFill>
                     <a:srgbClr val="000000"/>
                   </a:solidFill>
@@ -3206,7 +3219,7 @@
             </a:ln>
             <a:extLst>
               <a:ext uri="{91240B29-F687-4f45-9708-019B960494DF}">
-                <a14:hiddenLine xmlns:a14="http://schemas.microsoft.com/office/drawing/2010/main" xmlns="" w="9525">
+                <a14:hiddenLine xmlns="" xmlns:a14="http://schemas.microsoft.com/office/drawing/2010/main" w="9525">
                   <a:solidFill>
                     <a:srgbClr val="000000"/>
                   </a:solidFill>
@@ -3271,7 +3284,7 @@
             </a:ln>
             <a:extLst>
               <a:ext uri="{91240B29-F687-4f45-9708-019B960494DF}">
-                <a14:hiddenLine xmlns:a14="http://schemas.microsoft.com/office/drawing/2010/main" xmlns="" w="9525">
+                <a14:hiddenLine xmlns="" xmlns:a14="http://schemas.microsoft.com/office/drawing/2010/main" w="9525">
                   <a:solidFill>
                     <a:srgbClr val="000000"/>
                   </a:solidFill>
@@ -3361,7 +3374,7 @@
             </a:ln>
             <a:extLst>
               <a:ext uri="{91240B29-F687-4f45-9708-019B960494DF}">
-                <a14:hiddenLine xmlns:a14="http://schemas.microsoft.com/office/drawing/2010/main" xmlns="" w="9525">
+                <a14:hiddenLine xmlns="" xmlns:a14="http://schemas.microsoft.com/office/drawing/2010/main" w="9525">
                   <a:solidFill>
                     <a:srgbClr val="000000"/>
                   </a:solidFill>
@@ -3423,7 +3436,7 @@
             </a:ln>
             <a:extLst>
               <a:ext uri="{91240B29-F687-4f45-9708-019B960494DF}">
-                <a14:hiddenLine xmlns:a14="http://schemas.microsoft.com/office/drawing/2010/main" xmlns="" w="9525">
+                <a14:hiddenLine xmlns="" xmlns:a14="http://schemas.microsoft.com/office/drawing/2010/main" w="9525">
                   <a:solidFill>
                     <a:srgbClr val="000000"/>
                   </a:solidFill>
@@ -3513,7 +3526,7 @@
             </a:ln>
             <a:extLst>
               <a:ext uri="{91240B29-F687-4f45-9708-019B960494DF}">
-                <a14:hiddenLine xmlns:a14="http://schemas.microsoft.com/office/drawing/2010/main" xmlns="" w="9525">
+                <a14:hiddenLine xmlns="" xmlns:a14="http://schemas.microsoft.com/office/drawing/2010/main" w="9525">
                   <a:solidFill>
                     <a:srgbClr val="000000"/>
                   </a:solidFill>
@@ -3603,7 +3616,7 @@
             </a:ln>
             <a:extLst>
               <a:ext uri="{91240B29-F687-4f45-9708-019B960494DF}">
-                <a14:hiddenLine xmlns:a14="http://schemas.microsoft.com/office/drawing/2010/main" xmlns="" w="9525">
+                <a14:hiddenLine xmlns="" xmlns:a14="http://schemas.microsoft.com/office/drawing/2010/main" w="9525">
                   <a:solidFill>
                     <a:srgbClr val="000000"/>
                   </a:solidFill>
@@ -3668,7 +3681,7 @@
             </a:ln>
             <a:extLst>
               <a:ext uri="{91240B29-F687-4f45-9708-019B960494DF}">
-                <a14:hiddenLine xmlns:a14="http://schemas.microsoft.com/office/drawing/2010/main" xmlns="" w="9525">
+                <a14:hiddenLine xmlns="" xmlns:a14="http://schemas.microsoft.com/office/drawing/2010/main" w="9525">
                   <a:solidFill>
                     <a:srgbClr val="000000"/>
                   </a:solidFill>
@@ -3730,7 +3743,7 @@
             </a:ln>
             <a:extLst>
               <a:ext uri="{91240B29-F687-4f45-9708-019B960494DF}">
-                <a14:hiddenLine xmlns:a14="http://schemas.microsoft.com/office/drawing/2010/main" xmlns="" w="9525">
+                <a14:hiddenLine xmlns="" xmlns:a14="http://schemas.microsoft.com/office/drawing/2010/main" w="9525">
                   <a:solidFill>
                     <a:srgbClr val="000000"/>
                   </a:solidFill>
@@ -3820,7 +3833,7 @@
             </a:ln>
             <a:extLst>
               <a:ext uri="{91240B29-F687-4f45-9708-019B960494DF}">
-                <a14:hiddenLine xmlns:a14="http://schemas.microsoft.com/office/drawing/2010/main" xmlns="" w="9525">
+                <a14:hiddenLine xmlns="" xmlns:a14="http://schemas.microsoft.com/office/drawing/2010/main" w="9525">
                   <a:solidFill>
                     <a:srgbClr val="000000"/>
                   </a:solidFill>
@@ -3910,7 +3923,7 @@
             </a:ln>
             <a:extLst>
               <a:ext uri="{91240B29-F687-4f45-9708-019B960494DF}">
-                <a14:hiddenLine xmlns:a14="http://schemas.microsoft.com/office/drawing/2010/main" xmlns="" w="9525">
+                <a14:hiddenLine xmlns="" xmlns:a14="http://schemas.microsoft.com/office/drawing/2010/main" w="9525">
                   <a:solidFill>
                     <a:srgbClr val="000000"/>
                   </a:solidFill>
@@ -3972,7 +3985,7 @@
             </a:ln>
             <a:extLst>
               <a:ext uri="{91240B29-F687-4f45-9708-019B960494DF}">
-                <a14:hiddenLine xmlns:a14="http://schemas.microsoft.com/office/drawing/2010/main" xmlns="" w="9525">
+                <a14:hiddenLine xmlns="" xmlns:a14="http://schemas.microsoft.com/office/drawing/2010/main" w="9525">
                   <a:solidFill>
                     <a:srgbClr val="000000"/>
                   </a:solidFill>
@@ -4092,7 +4105,7 @@
             </a:ln>
             <a:extLst>
               <a:ext uri="{91240B29-F687-4f45-9708-019B960494DF}">
-                <a14:hiddenLine xmlns:a14="http://schemas.microsoft.com/office/drawing/2010/main" xmlns="" w="9525">
+                <a14:hiddenLine xmlns="" xmlns:a14="http://schemas.microsoft.com/office/drawing/2010/main" w="9525">
                   <a:solidFill>
                     <a:srgbClr val="000000"/>
                   </a:solidFill>
@@ -4160,7 +4173,7 @@
             </a:ln>
             <a:extLst>
               <a:ext uri="{91240B29-F687-4f45-9708-019B960494DF}">
-                <a14:hiddenLine xmlns:a14="http://schemas.microsoft.com/office/drawing/2010/main" xmlns="" w="9525">
+                <a14:hiddenLine xmlns="" xmlns:a14="http://schemas.microsoft.com/office/drawing/2010/main" w="9525">
                   <a:solidFill>
                     <a:srgbClr val="000000"/>
                   </a:solidFill>
@@ -4250,7 +4263,7 @@
             </a:ln>
             <a:extLst>
               <a:ext uri="{91240B29-F687-4f45-9708-019B960494DF}">
-                <a14:hiddenLine xmlns:a14="http://schemas.microsoft.com/office/drawing/2010/main" xmlns="" w="9525">
+                <a14:hiddenLine xmlns="" xmlns:a14="http://schemas.microsoft.com/office/drawing/2010/main" w="9525">
                   <a:solidFill>
                     <a:srgbClr val="000000"/>
                   </a:solidFill>
@@ -8979,7 +8992,7 @@
           <a:noFill/>
           <a:extLst>
             <a:ext uri="{909E8E84-426E-40dd-AFC4-6F175D3DCCD1}">
-              <a14:hiddenFill xmlns:a14="http://schemas.microsoft.com/office/drawing/2010/main" xmlns="">
+              <a14:hiddenFill xmlns="" xmlns:a14="http://schemas.microsoft.com/office/drawing/2010/main">
                 <a:solidFill>
                   <a:srgbClr val="FFFFFF"/>
                 </a:solidFill>
@@ -9053,7 +9066,7 @@
               </a:ln>
               <a:extLst>
                 <a:ext uri="{91240B29-F687-4f45-9708-019B960494DF}">
-                  <a14:hiddenLine xmlns:a14="http://schemas.microsoft.com/office/drawing/2010/main" xmlns="" w="9525">
+                  <a14:hiddenLine xmlns="" xmlns:a14="http://schemas.microsoft.com/office/drawing/2010/main" w="9525">
                     <a:solidFill>
                       <a:srgbClr val="000000"/>
                     </a:solidFill>
@@ -9143,7 +9156,7 @@
               </a:ln>
               <a:extLst>
                 <a:ext uri="{91240B29-F687-4f45-9708-019B960494DF}">
-                  <a14:hiddenLine xmlns:a14="http://schemas.microsoft.com/office/drawing/2010/main" xmlns="" w="9525">
+                  <a14:hiddenLine xmlns="" xmlns:a14="http://schemas.microsoft.com/office/drawing/2010/main" w="9525">
                     <a:solidFill>
                       <a:srgbClr val="000000"/>
                     </a:solidFill>
@@ -9233,7 +9246,7 @@
               </a:ln>
               <a:extLst>
                 <a:ext uri="{91240B29-F687-4f45-9708-019B960494DF}">
-                  <a14:hiddenLine xmlns:a14="http://schemas.microsoft.com/office/drawing/2010/main" xmlns="" w="9525">
+                  <a14:hiddenLine xmlns="" xmlns:a14="http://schemas.microsoft.com/office/drawing/2010/main" w="9525">
                     <a:solidFill>
                       <a:srgbClr val="000000"/>
                     </a:solidFill>
@@ -9295,7 +9308,7 @@
               </a:ln>
               <a:extLst>
                 <a:ext uri="{91240B29-F687-4f45-9708-019B960494DF}">
-                  <a14:hiddenLine xmlns:a14="http://schemas.microsoft.com/office/drawing/2010/main" xmlns="" w="9525">
+                  <a14:hiddenLine xmlns="" xmlns:a14="http://schemas.microsoft.com/office/drawing/2010/main" w="9525">
                     <a:solidFill>
                       <a:srgbClr val="000000"/>
                     </a:solidFill>
@@ -9385,7 +9398,7 @@
               </a:ln>
               <a:extLst>
                 <a:ext uri="{91240B29-F687-4f45-9708-019B960494DF}">
-                  <a14:hiddenLine xmlns:a14="http://schemas.microsoft.com/office/drawing/2010/main" xmlns="" w="9525">
+                  <a14:hiddenLine xmlns="" xmlns:a14="http://schemas.microsoft.com/office/drawing/2010/main" w="9525">
                     <a:solidFill>
                       <a:srgbClr val="000000"/>
                     </a:solidFill>
@@ -9447,7 +9460,7 @@
               </a:ln>
               <a:extLst>
                 <a:ext uri="{91240B29-F687-4f45-9708-019B960494DF}">
-                  <a14:hiddenLine xmlns:a14="http://schemas.microsoft.com/office/drawing/2010/main" xmlns="" w="9525">
+                  <a14:hiddenLine xmlns="" xmlns:a14="http://schemas.microsoft.com/office/drawing/2010/main" w="9525">
                     <a:solidFill>
                       <a:srgbClr val="000000"/>
                     </a:solidFill>
@@ -9509,7 +9522,7 @@
               </a:ln>
               <a:extLst>
                 <a:ext uri="{91240B29-F687-4f45-9708-019B960494DF}">
-                  <a14:hiddenLine xmlns:a14="http://schemas.microsoft.com/office/drawing/2010/main" xmlns="" w="9525">
+                  <a14:hiddenLine xmlns="" xmlns:a14="http://schemas.microsoft.com/office/drawing/2010/main" w="9525">
                     <a:solidFill>
                       <a:srgbClr val="000000"/>
                     </a:solidFill>
@@ -9599,7 +9612,7 @@
               </a:ln>
               <a:extLst>
                 <a:ext uri="{91240B29-F687-4f45-9708-019B960494DF}">
-                  <a14:hiddenLine xmlns:a14="http://schemas.microsoft.com/office/drawing/2010/main" xmlns="" w="9525">
+                  <a14:hiddenLine xmlns="" xmlns:a14="http://schemas.microsoft.com/office/drawing/2010/main" w="9525">
                     <a:solidFill>
                       <a:srgbClr val="000000"/>
                     </a:solidFill>
@@ -9689,7 +9702,7 @@
               </a:ln>
               <a:extLst>
                 <a:ext uri="{91240B29-F687-4f45-9708-019B960494DF}">
-                  <a14:hiddenLine xmlns:a14="http://schemas.microsoft.com/office/drawing/2010/main" xmlns="" w="9525">
+                  <a14:hiddenLine xmlns="" xmlns:a14="http://schemas.microsoft.com/office/drawing/2010/main" w="9525">
                     <a:solidFill>
                       <a:srgbClr val="000000"/>
                     </a:solidFill>
@@ -9751,7 +9764,7 @@
               </a:ln>
               <a:extLst>
                 <a:ext uri="{91240B29-F687-4f45-9708-019B960494DF}">
-                  <a14:hiddenLine xmlns:a14="http://schemas.microsoft.com/office/drawing/2010/main" xmlns="" w="9525">
+                  <a14:hiddenLine xmlns="" xmlns:a14="http://schemas.microsoft.com/office/drawing/2010/main" w="9525">
                     <a:solidFill>
                       <a:srgbClr val="000000"/>
                     </a:solidFill>
@@ -9861,7 +9874,7 @@
               </a:ln>
               <a:extLst>
                 <a:ext uri="{91240B29-F687-4f45-9708-019B960494DF}">
-                  <a14:hiddenLine xmlns:a14="http://schemas.microsoft.com/office/drawing/2010/main" xmlns="" w="9525">
+                  <a14:hiddenLine xmlns="" xmlns:a14="http://schemas.microsoft.com/office/drawing/2010/main" w="9525">
                     <a:solidFill>
                       <a:srgbClr val="000000"/>
                     </a:solidFill>
@@ -9945,7 +9958,7 @@
               </a:ln>
               <a:extLst>
                 <a:ext uri="{91240B29-F687-4f45-9708-019B960494DF}">
-                  <a14:hiddenLine xmlns:a14="http://schemas.microsoft.com/office/drawing/2010/main" xmlns="" w="9525">
+                  <a14:hiddenLine xmlns="" xmlns:a14="http://schemas.microsoft.com/office/drawing/2010/main" w="9525">
                     <a:solidFill>
                       <a:srgbClr val="000000"/>
                     </a:solidFill>
@@ -10007,7 +10020,7 @@
               </a:ln>
               <a:extLst>
                 <a:ext uri="{91240B29-F687-4f45-9708-019B960494DF}">
-                  <a14:hiddenLine xmlns:a14="http://schemas.microsoft.com/office/drawing/2010/main" xmlns="" w="9525">
+                  <a14:hiddenLine xmlns="" xmlns:a14="http://schemas.microsoft.com/office/drawing/2010/main" w="9525">
                     <a:solidFill>
                       <a:srgbClr val="000000"/>
                     </a:solidFill>
@@ -10069,7 +10082,7 @@
               </a:ln>
               <a:extLst>
                 <a:ext uri="{91240B29-F687-4f45-9708-019B960494DF}">
-                  <a14:hiddenLine xmlns:a14="http://schemas.microsoft.com/office/drawing/2010/main" xmlns="" w="9525">
+                  <a14:hiddenLine xmlns="" xmlns:a14="http://schemas.microsoft.com/office/drawing/2010/main" w="9525">
                     <a:solidFill>
                       <a:srgbClr val="000000"/>
                     </a:solidFill>
@@ -10159,7 +10172,7 @@
               </a:ln>
               <a:extLst>
                 <a:ext uri="{91240B29-F687-4f45-9708-019B960494DF}">
-                  <a14:hiddenLine xmlns:a14="http://schemas.microsoft.com/office/drawing/2010/main" xmlns="" w="9525">
+                  <a14:hiddenLine xmlns="" xmlns:a14="http://schemas.microsoft.com/office/drawing/2010/main" w="9525">
                     <a:solidFill>
                       <a:srgbClr val="000000"/>
                     </a:solidFill>
@@ -10193,7 +10206,7 @@
               </a:ln>
               <a:extLst>
                 <a:ext uri="{91240B29-F687-4f45-9708-019B960494DF}">
-                  <a14:hiddenLine xmlns:a14="http://schemas.microsoft.com/office/drawing/2010/main" xmlns="" w="9525">
+                  <a14:hiddenLine xmlns="" xmlns:a14="http://schemas.microsoft.com/office/drawing/2010/main" w="9525">
                     <a:solidFill>
                       <a:srgbClr val="000000"/>
                     </a:solidFill>
@@ -10258,7 +10271,7 @@
               </a:ln>
               <a:extLst>
                 <a:ext uri="{91240B29-F687-4f45-9708-019B960494DF}">
-                  <a14:hiddenLine xmlns:a14="http://schemas.microsoft.com/office/drawing/2010/main" xmlns="" w="9525">
+                  <a14:hiddenLine xmlns="" xmlns:a14="http://schemas.microsoft.com/office/drawing/2010/main" w="9525">
                     <a:solidFill>
                       <a:srgbClr val="000000"/>
                     </a:solidFill>
@@ -10348,7 +10361,7 @@
               </a:ln>
               <a:extLst>
                 <a:ext uri="{91240B29-F687-4f45-9708-019B960494DF}">
-                  <a14:hiddenLine xmlns:a14="http://schemas.microsoft.com/office/drawing/2010/main" xmlns="" w="9525">
+                  <a14:hiddenLine xmlns="" xmlns:a14="http://schemas.microsoft.com/office/drawing/2010/main" w="9525">
                     <a:solidFill>
                       <a:srgbClr val="000000"/>
                     </a:solidFill>
@@ -10410,7 +10423,7 @@
               </a:ln>
               <a:extLst>
                 <a:ext uri="{91240B29-F687-4f45-9708-019B960494DF}">
-                  <a14:hiddenLine xmlns:a14="http://schemas.microsoft.com/office/drawing/2010/main" xmlns="" w="9525">
+                  <a14:hiddenLine xmlns="" xmlns:a14="http://schemas.microsoft.com/office/drawing/2010/main" w="9525">
                     <a:solidFill>
                       <a:srgbClr val="000000"/>
                     </a:solidFill>
@@ -10500,7 +10513,7 @@
               </a:ln>
               <a:extLst>
                 <a:ext uri="{91240B29-F687-4f45-9708-019B960494DF}">
-                  <a14:hiddenLine xmlns:a14="http://schemas.microsoft.com/office/drawing/2010/main" xmlns="" w="9525">
+                  <a14:hiddenLine xmlns="" xmlns:a14="http://schemas.microsoft.com/office/drawing/2010/main" w="9525">
                     <a:solidFill>
                       <a:srgbClr val="000000"/>
                     </a:solidFill>
@@ -10565,7 +10578,7 @@
               </a:ln>
               <a:extLst>
                 <a:ext uri="{91240B29-F687-4f45-9708-019B960494DF}">
-                  <a14:hiddenLine xmlns:a14="http://schemas.microsoft.com/office/drawing/2010/main" xmlns="" w="9525">
+                  <a14:hiddenLine xmlns="" xmlns:a14="http://schemas.microsoft.com/office/drawing/2010/main" w="9525">
                     <a:solidFill>
                       <a:srgbClr val="000000"/>
                     </a:solidFill>
@@ -10627,7 +10640,7 @@
               </a:ln>
               <a:extLst>
                 <a:ext uri="{91240B29-F687-4f45-9708-019B960494DF}">
-                  <a14:hiddenLine xmlns:a14="http://schemas.microsoft.com/office/drawing/2010/main" xmlns="" w="9525">
+                  <a14:hiddenLine xmlns="" xmlns:a14="http://schemas.microsoft.com/office/drawing/2010/main" w="9525">
                     <a:solidFill>
                       <a:srgbClr val="000000"/>
                     </a:solidFill>
@@ -10717,7 +10730,7 @@
               </a:ln>
               <a:extLst>
                 <a:ext uri="{91240B29-F687-4f45-9708-019B960494DF}">
-                  <a14:hiddenLine xmlns:a14="http://schemas.microsoft.com/office/drawing/2010/main" xmlns="" w="9525">
+                  <a14:hiddenLine xmlns="" xmlns:a14="http://schemas.microsoft.com/office/drawing/2010/main" w="9525">
                     <a:solidFill>
                       <a:srgbClr val="000000"/>
                     </a:solidFill>
@@ -10807,7 +10820,7 @@
               </a:ln>
               <a:extLst>
                 <a:ext uri="{91240B29-F687-4f45-9708-019B960494DF}">
-                  <a14:hiddenLine xmlns:a14="http://schemas.microsoft.com/office/drawing/2010/main" xmlns="" w="9525">
+                  <a14:hiddenLine xmlns="" xmlns:a14="http://schemas.microsoft.com/office/drawing/2010/main" w="9525">
                     <a:solidFill>
                       <a:srgbClr val="000000"/>
                     </a:solidFill>
@@ -10872,7 +10885,7 @@
               </a:ln>
               <a:extLst>
                 <a:ext uri="{91240B29-F687-4f45-9708-019B960494DF}">
-                  <a14:hiddenLine xmlns:a14="http://schemas.microsoft.com/office/drawing/2010/main" xmlns="" w="9525">
+                  <a14:hiddenLine xmlns="" xmlns:a14="http://schemas.microsoft.com/office/drawing/2010/main" w="9525">
                     <a:solidFill>
                       <a:srgbClr val="000000"/>
                     </a:solidFill>
@@ -10992,7 +11005,7 @@
               </a:ln>
               <a:extLst>
                 <a:ext uri="{91240B29-F687-4f45-9708-019B960494DF}">
-                  <a14:hiddenLine xmlns:a14="http://schemas.microsoft.com/office/drawing/2010/main" xmlns="" w="9525">
+                  <a14:hiddenLine xmlns="" xmlns:a14="http://schemas.microsoft.com/office/drawing/2010/main" w="9525">
                     <a:solidFill>
                       <a:srgbClr val="000000"/>
                     </a:solidFill>
@@ -11090,7 +11103,7 @@
               </a:ln>
               <a:extLst>
                 <a:ext uri="{91240B29-F687-4f45-9708-019B960494DF}">
-                  <a14:hiddenLine xmlns:a14="http://schemas.microsoft.com/office/drawing/2010/main" xmlns="" w="9525">
+                  <a14:hiddenLine xmlns="" xmlns:a14="http://schemas.microsoft.com/office/drawing/2010/main" w="9525">
                     <a:solidFill>
                       <a:srgbClr val="000000"/>
                     </a:solidFill>
@@ -11205,7 +11218,7 @@
               </a:ln>
               <a:extLst>
                 <a:ext uri="{91240B29-F687-4f45-9708-019B960494DF}">
-                  <a14:hiddenLine xmlns:a14="http://schemas.microsoft.com/office/drawing/2010/main" xmlns="" w="9525">
+                  <a14:hiddenLine xmlns="" xmlns:a14="http://schemas.microsoft.com/office/drawing/2010/main" w="9525">
                     <a:solidFill>
                       <a:srgbClr val="000000"/>
                     </a:solidFill>
@@ -11295,7 +11308,7 @@
               </a:ln>
               <a:extLst>
                 <a:ext uri="{91240B29-F687-4f45-9708-019B960494DF}">
-                  <a14:hiddenLine xmlns:a14="http://schemas.microsoft.com/office/drawing/2010/main" xmlns="" w="9525">
+                  <a14:hiddenLine xmlns="" xmlns:a14="http://schemas.microsoft.com/office/drawing/2010/main" w="9525">
                     <a:solidFill>
                       <a:srgbClr val="000000"/>
                     </a:solidFill>
@@ -11360,7 +11373,7 @@
               </a:ln>
               <a:extLst>
                 <a:ext uri="{91240B29-F687-4f45-9708-019B960494DF}">
-                  <a14:hiddenLine xmlns:a14="http://schemas.microsoft.com/office/drawing/2010/main" xmlns="" w="9525">
+                  <a14:hiddenLine xmlns="" xmlns:a14="http://schemas.microsoft.com/office/drawing/2010/main" w="9525">
                     <a:solidFill>
                       <a:srgbClr val="000000"/>
                     </a:solidFill>
@@ -11450,7 +11463,7 @@
               </a:ln>
               <a:extLst>
                 <a:ext uri="{91240B29-F687-4f45-9708-019B960494DF}">
-                  <a14:hiddenLine xmlns:a14="http://schemas.microsoft.com/office/drawing/2010/main" xmlns="" w="9525">
+                  <a14:hiddenLine xmlns="" xmlns:a14="http://schemas.microsoft.com/office/drawing/2010/main" w="9525">
                     <a:solidFill>
                       <a:srgbClr val="000000"/>
                     </a:solidFill>
@@ -11518,7 +11531,7 @@
               </a:ln>
               <a:extLst>
                 <a:ext uri="{91240B29-F687-4f45-9708-019B960494DF}">
-                  <a14:hiddenLine xmlns:a14="http://schemas.microsoft.com/office/drawing/2010/main" xmlns="" w="9525">
+                  <a14:hiddenLine xmlns="" xmlns:a14="http://schemas.microsoft.com/office/drawing/2010/main" w="9525">
                     <a:solidFill>
                       <a:srgbClr val="000000"/>
                     </a:solidFill>
@@ -11608,7 +11621,7 @@
               </a:ln>
               <a:extLst>
                 <a:ext uri="{91240B29-F687-4f45-9708-019B960494DF}">
-                  <a14:hiddenLine xmlns:a14="http://schemas.microsoft.com/office/drawing/2010/main" xmlns="" w="9525">
+                  <a14:hiddenLine xmlns="" xmlns:a14="http://schemas.microsoft.com/office/drawing/2010/main" w="9525">
                     <a:solidFill>
                       <a:srgbClr val="000000"/>
                     </a:solidFill>
@@ -11676,7 +11689,7 @@
               </a:ln>
               <a:extLst>
                 <a:ext uri="{91240B29-F687-4f45-9708-019B960494DF}">
-                  <a14:hiddenLine xmlns:a14="http://schemas.microsoft.com/office/drawing/2010/main" xmlns="" w="9525">
+                  <a14:hiddenLine xmlns="" xmlns:a14="http://schemas.microsoft.com/office/drawing/2010/main" w="9525">
                     <a:solidFill>
                       <a:srgbClr val="000000"/>
                     </a:solidFill>
@@ -11766,7 +11779,7 @@
               </a:ln>
               <a:extLst>
                 <a:ext uri="{91240B29-F687-4f45-9708-019B960494DF}">
-                  <a14:hiddenLine xmlns:a14="http://schemas.microsoft.com/office/drawing/2010/main" xmlns="" w="9525">
+                  <a14:hiddenLine xmlns="" xmlns:a14="http://schemas.microsoft.com/office/drawing/2010/main" w="9525">
                     <a:solidFill>
                       <a:srgbClr val="000000"/>
                     </a:solidFill>
@@ -11800,7 +11813,7 @@
               </a:ln>
               <a:extLst>
                 <a:ext uri="{91240B29-F687-4f45-9708-019B960494DF}">
-                  <a14:hiddenLine xmlns:a14="http://schemas.microsoft.com/office/drawing/2010/main" xmlns="" w="9525">
+                  <a14:hiddenLine xmlns="" xmlns:a14="http://schemas.microsoft.com/office/drawing/2010/main" w="9525">
                     <a:solidFill>
                       <a:srgbClr val="000000"/>
                     </a:solidFill>
@@ -12477,6 +12490,452 @@
 </p:sld>
 </file>
 
+<file path=ppt/slides/slide2.xml><?xml version="1.0" encoding="utf-8"?>
+<p:sld xmlns:a="http://schemas.openxmlformats.org/drawingml/2006/main" xmlns:r="http://schemas.openxmlformats.org/officeDocument/2006/relationships" xmlns:p="http://schemas.openxmlformats.org/presentationml/2006/main">
+  <p:cSld>
+    <p:spTree>
+      <p:nvGrpSpPr>
+        <p:cNvPr id="1" name=""/>
+        <p:cNvGrpSpPr/>
+        <p:nvPr/>
+      </p:nvGrpSpPr>
+      <p:grpSpPr>
+        <a:xfrm>
+          <a:off x="0" y="0"/>
+          <a:ext cx="0" cy="0"/>
+          <a:chOff x="0" y="0"/>
+          <a:chExt cx="0" cy="0"/>
+        </a:xfrm>
+      </p:grpSpPr>
+      <p:sp>
+        <p:nvSpPr>
+          <p:cNvPr id="2" name="标题 1">
+            <a:extLst>
+              <a:ext uri="{FF2B5EF4-FFF2-40B4-BE49-F238E27FC236}">
+                <a16:creationId xmlns:a16="http://schemas.microsoft.com/office/drawing/2014/main" id="{9E6C4413-D490-42AE-8E4D-EC055CE48819}"/>
+              </a:ext>
+            </a:extLst>
+          </p:cNvPr>
+          <p:cNvSpPr>
+            <a:spLocks noGrp="1"/>
+          </p:cNvSpPr>
+          <p:nvPr>
+            <p:ph type="title"/>
+          </p:nvPr>
+        </p:nvSpPr>
+        <p:spPr>
+          <a:xfrm>
+            <a:off x="1141413" y="618518"/>
+            <a:ext cx="9905998" cy="660553"/>
+          </a:xfrm>
+        </p:spPr>
+        <p:txBody>
+          <a:bodyPr/>
+          <a:lstStyle/>
+          <a:p>
+            <a:r>
+              <a:rPr lang="en-US" dirty="0"/>
+              <a:t>Introduction</a:t>
+            </a:r>
+          </a:p>
+        </p:txBody>
+      </p:sp>
+      <p:sp>
+        <p:nvSpPr>
+          <p:cNvPr id="3" name="内容占位符 2">
+            <a:extLst>
+              <a:ext uri="{FF2B5EF4-FFF2-40B4-BE49-F238E27FC236}">
+                <a16:creationId xmlns:a16="http://schemas.microsoft.com/office/drawing/2014/main" id="{7156FDC9-E4BF-4752-87E2-36EF2B7C202E}"/>
+              </a:ext>
+            </a:extLst>
+          </p:cNvPr>
+          <p:cNvSpPr>
+            <a:spLocks noGrp="1"/>
+          </p:cNvSpPr>
+          <p:nvPr>
+            <p:ph idx="1"/>
+          </p:nvPr>
+        </p:nvSpPr>
+        <p:spPr>
+          <a:xfrm>
+            <a:off x="1141412" y="1442357"/>
+            <a:ext cx="9905999" cy="4348844"/>
+          </a:xfrm>
+        </p:spPr>
+        <p:txBody>
+          <a:bodyPr/>
+          <a:lstStyle/>
+          <a:p>
+            <a:r>
+              <a:rPr lang="en-US" dirty="0"/>
+              <a:t>Size and limitation of the supply station</a:t>
+            </a:r>
+            <a:br>
+              <a:rPr lang="en-US" dirty="0"/>
+            </a:br>
+            <a:r>
+              <a:rPr lang="en-US" dirty="0"/>
+              <a:t>Supply station size : 1m*1m*1m </a:t>
+            </a:r>
+            <a:br>
+              <a:rPr lang="en-US" dirty="0"/>
+            </a:br>
+            <a:br>
+              <a:rPr lang="en-US" dirty="0"/>
+            </a:br>
+            <a:r>
+              <a:rPr lang="en-US" dirty="0"/>
+              <a:t>Specs of bullets: 2.6 g (±5%), plastic, 17 mm (-3% to 0%) in diameter</a:t>
+            </a:r>
+            <a:br>
+              <a:rPr lang="en-US" dirty="0"/>
+            </a:br>
+            <a:br>
+              <a:rPr lang="en-US" dirty="0"/>
+            </a:br>
+            <a:r>
+              <a:rPr lang="en-US" dirty="0"/>
+              <a:t>Total number of bullets: 800</a:t>
+            </a:r>
+          </a:p>
+          <a:p>
+            <a:pPr marL="0" indent="0">
+              <a:buNone/>
+            </a:pPr>
+            <a:r>
+              <a:rPr lang="en-US" dirty="0"/>
+              <a:t>   </a:t>
+            </a:r>
+          </a:p>
+        </p:txBody>
+      </p:sp>
+    </p:spTree>
+    <p:extLst>
+      <p:ext uri="{BB962C8B-B14F-4D97-AF65-F5344CB8AC3E}">
+        <p14:creationId xmlns:p14="http://schemas.microsoft.com/office/powerpoint/2010/main" val="3095779903"/>
+      </p:ext>
+    </p:extLst>
+  </p:cSld>
+  <p:clrMapOvr>
+    <a:masterClrMapping/>
+  </p:clrMapOvr>
+</p:sld>
+</file>
+
+<file path=ppt/slides/slide3.xml><?xml version="1.0" encoding="utf-8"?>
+<p:sld xmlns:a="http://schemas.openxmlformats.org/drawingml/2006/main" xmlns:r="http://schemas.openxmlformats.org/officeDocument/2006/relationships" xmlns:p="http://schemas.openxmlformats.org/presentationml/2006/main">
+  <p:cSld>
+    <p:spTree>
+      <p:nvGrpSpPr>
+        <p:cNvPr id="1" name=""/>
+        <p:cNvGrpSpPr/>
+        <p:nvPr/>
+      </p:nvGrpSpPr>
+      <p:grpSpPr>
+        <a:xfrm>
+          <a:off x="0" y="0"/>
+          <a:ext cx="0" cy="0"/>
+          <a:chOff x="0" y="0"/>
+          <a:chExt cx="0" cy="0"/>
+        </a:xfrm>
+      </p:grpSpPr>
+      <p:sp>
+        <p:nvSpPr>
+          <p:cNvPr id="3" name="内容占位符 2">
+            <a:extLst>
+              <a:ext uri="{FF2B5EF4-FFF2-40B4-BE49-F238E27FC236}">
+                <a16:creationId xmlns:a16="http://schemas.microsoft.com/office/drawing/2014/main" id="{71F58E92-FD52-498B-94DE-8C7EAF6FF953}"/>
+              </a:ext>
+            </a:extLst>
+          </p:cNvPr>
+          <p:cNvSpPr>
+            <a:spLocks noGrp="1"/>
+          </p:cNvSpPr>
+          <p:nvPr>
+            <p:ph idx="1"/>
+          </p:nvPr>
+        </p:nvSpPr>
+        <p:spPr>
+          <a:xfrm>
+            <a:off x="1141412" y="729343"/>
+            <a:ext cx="9905999" cy="5061858"/>
+          </a:xfrm>
+        </p:spPr>
+        <p:txBody>
+          <a:bodyPr/>
+          <a:lstStyle/>
+          <a:p>
+            <a:r>
+              <a:rPr lang="en-US" dirty="0"/>
+              <a:t>Brief structure of the supply station</a:t>
+            </a:r>
+            <a:br>
+              <a:rPr lang="en-US" dirty="0"/>
+            </a:br>
+            <a:endParaRPr lang="en-US" dirty="0"/>
+          </a:p>
+          <a:p>
+            <a:endParaRPr lang="en-US" dirty="0"/>
+          </a:p>
+        </p:txBody>
+      </p:sp>
+    </p:spTree>
+    <p:extLst>
+      <p:ext uri="{BB962C8B-B14F-4D97-AF65-F5344CB8AC3E}">
+        <p14:creationId xmlns:p14="http://schemas.microsoft.com/office/powerpoint/2010/main" val="3871089000"/>
+      </p:ext>
+    </p:extLst>
+  </p:cSld>
+  <p:clrMapOvr>
+    <a:masterClrMapping/>
+  </p:clrMapOvr>
+</p:sld>
+</file>
+
+<file path=ppt/slides/slide4.xml><?xml version="1.0" encoding="utf-8"?>
+<p:sld xmlns:a="http://schemas.openxmlformats.org/drawingml/2006/main" xmlns:r="http://schemas.openxmlformats.org/officeDocument/2006/relationships" xmlns:p="http://schemas.openxmlformats.org/presentationml/2006/main">
+  <p:cSld>
+    <p:spTree>
+      <p:nvGrpSpPr>
+        <p:cNvPr id="1" name=""/>
+        <p:cNvGrpSpPr/>
+        <p:nvPr/>
+      </p:nvGrpSpPr>
+      <p:grpSpPr>
+        <a:xfrm>
+          <a:off x="0" y="0"/>
+          <a:ext cx="0" cy="0"/>
+          <a:chOff x="0" y="0"/>
+          <a:chExt cx="0" cy="0"/>
+        </a:xfrm>
+      </p:grpSpPr>
+      <p:sp>
+        <p:nvSpPr>
+          <p:cNvPr id="3" name="内容占位符 2">
+            <a:extLst>
+              <a:ext uri="{FF2B5EF4-FFF2-40B4-BE49-F238E27FC236}">
+                <a16:creationId xmlns:a16="http://schemas.microsoft.com/office/drawing/2014/main" id="{9EDE8E01-FB52-48D5-920C-B12DA53714D5}"/>
+              </a:ext>
+            </a:extLst>
+          </p:cNvPr>
+          <p:cNvSpPr>
+            <a:spLocks noGrp="1"/>
+          </p:cNvSpPr>
+          <p:nvPr>
+            <p:ph idx="1"/>
+          </p:nvPr>
+        </p:nvSpPr>
+        <p:spPr>
+          <a:xfrm>
+            <a:off x="1141412" y="827314"/>
+            <a:ext cx="9905999" cy="5421086"/>
+          </a:xfrm>
+        </p:spPr>
+        <p:txBody>
+          <a:bodyPr/>
+          <a:lstStyle/>
+          <a:p>
+            <a:r>
+              <a:rPr lang="en-US" dirty="0"/>
+              <a:t>Components for supply station</a:t>
+            </a:r>
+            <a:br>
+              <a:rPr lang="en-US" dirty="0"/>
+            </a:br>
+            <a:br>
+              <a:rPr lang="en-US" dirty="0"/>
+            </a:br>
+            <a:r>
+              <a:rPr lang="en-US" dirty="0"/>
+              <a:t>12V motors: 12V 100RPM high torque DC Motor</a:t>
+            </a:r>
+            <a:br>
+              <a:rPr lang="en-US" dirty="0"/>
+            </a:br>
+            <a:br>
+              <a:rPr lang="en-US" dirty="0"/>
+            </a:br>
+            <a:r>
+              <a:rPr lang="en-US" dirty="0"/>
+              <a:t>MCU: Arduino Uno Rev3</a:t>
+            </a:r>
+            <a:br>
+              <a:rPr lang="en-US" dirty="0"/>
+            </a:br>
+            <a:br>
+              <a:rPr lang="en-US" dirty="0"/>
+            </a:br>
+            <a:r>
+              <a:rPr lang="en-US" dirty="0"/>
+              <a:t>Motor Driver: </a:t>
+            </a:r>
+            <a:r>
+              <a:rPr lang="en-US" dirty="0" err="1"/>
+              <a:t>Cytron</a:t>
+            </a:r>
+            <a:r>
+              <a:rPr lang="en-US" dirty="0"/>
+              <a:t> 10A 5-25V Dual Channel DC Motor Driver</a:t>
+            </a:r>
+            <a:br>
+              <a:rPr lang="en-US" dirty="0"/>
+            </a:br>
+            <a:br>
+              <a:rPr lang="en-US" dirty="0"/>
+            </a:br>
+            <a:r>
+              <a:rPr lang="en-US" dirty="0"/>
+              <a:t>Detect Sensor: Octopus Photo Interrupter Sensor Brick &amp; QED123-ND</a:t>
+            </a:r>
+            <a:br>
+              <a:rPr lang="en-US" dirty="0"/>
+            </a:br>
+            <a:br>
+              <a:rPr lang="en-US" dirty="0"/>
+            </a:br>
+            <a:r>
+              <a:rPr lang="en-US" dirty="0"/>
+              <a:t>Power source: NIMH Battery 12.0V 2300MAH</a:t>
+            </a:r>
+          </a:p>
+        </p:txBody>
+      </p:sp>
+    </p:spTree>
+    <p:extLst>
+      <p:ext uri="{BB962C8B-B14F-4D97-AF65-F5344CB8AC3E}">
+        <p14:creationId xmlns:p14="http://schemas.microsoft.com/office/powerpoint/2010/main" val="1315523673"/>
+      </p:ext>
+    </p:extLst>
+  </p:cSld>
+  <p:clrMapOvr>
+    <a:masterClrMapping/>
+  </p:clrMapOvr>
+</p:sld>
+</file>
+
+<file path=ppt/slides/slide5.xml><?xml version="1.0" encoding="utf-8"?>
+<p:sld xmlns:a="http://schemas.openxmlformats.org/drawingml/2006/main" xmlns:r="http://schemas.openxmlformats.org/officeDocument/2006/relationships" xmlns:p="http://schemas.openxmlformats.org/presentationml/2006/main">
+  <p:cSld>
+    <p:spTree>
+      <p:nvGrpSpPr>
+        <p:cNvPr id="1" name=""/>
+        <p:cNvGrpSpPr/>
+        <p:nvPr/>
+      </p:nvGrpSpPr>
+      <p:grpSpPr>
+        <a:xfrm>
+          <a:off x="0" y="0"/>
+          <a:ext cx="0" cy="0"/>
+          <a:chOff x="0" y="0"/>
+          <a:chExt cx="0" cy="0"/>
+        </a:xfrm>
+      </p:grpSpPr>
+      <p:sp>
+        <p:nvSpPr>
+          <p:cNvPr id="2" name="标题 1">
+            <a:extLst>
+              <a:ext uri="{FF2B5EF4-FFF2-40B4-BE49-F238E27FC236}">
+                <a16:creationId xmlns:a16="http://schemas.microsoft.com/office/drawing/2014/main" id="{4A657D06-27BF-4903-9540-318E4EE63079}"/>
+              </a:ext>
+            </a:extLst>
+          </p:cNvPr>
+          <p:cNvSpPr>
+            <a:spLocks noGrp="1"/>
+          </p:cNvSpPr>
+          <p:nvPr>
+            <p:ph type="title"/>
+          </p:nvPr>
+        </p:nvSpPr>
+        <p:spPr>
+          <a:xfrm>
+            <a:off x="1141413" y="618518"/>
+            <a:ext cx="9905998" cy="682325"/>
+          </a:xfrm>
+        </p:spPr>
+        <p:txBody>
+          <a:bodyPr/>
+          <a:lstStyle/>
+          <a:p>
+            <a:r>
+              <a:rPr lang="en-US" dirty="0"/>
+              <a:t>Objective</a:t>
+            </a:r>
+          </a:p>
+        </p:txBody>
+      </p:sp>
+      <p:sp>
+        <p:nvSpPr>
+          <p:cNvPr id="3" name="内容占位符 2">
+            <a:extLst>
+              <a:ext uri="{FF2B5EF4-FFF2-40B4-BE49-F238E27FC236}">
+                <a16:creationId xmlns:a16="http://schemas.microsoft.com/office/drawing/2014/main" id="{7ECBF545-8088-4177-BB9E-5C1A0F9548C4}"/>
+              </a:ext>
+            </a:extLst>
+          </p:cNvPr>
+          <p:cNvSpPr>
+            <a:spLocks noGrp="1"/>
+          </p:cNvSpPr>
+          <p:nvPr>
+            <p:ph idx="1"/>
+          </p:nvPr>
+        </p:nvSpPr>
+        <p:spPr>
+          <a:xfrm>
+            <a:off x="1141412" y="1262743"/>
+            <a:ext cx="9905999" cy="4528458"/>
+          </a:xfrm>
+        </p:spPr>
+        <p:txBody>
+          <a:bodyPr/>
+          <a:lstStyle/>
+          <a:p>
+            <a:r>
+              <a:rPr lang="en-US" dirty="0"/>
+              <a:t>  Be fully automatic</a:t>
+            </a:r>
+          </a:p>
+          <a:p>
+            <a:endParaRPr lang="en-US" dirty="0"/>
+          </a:p>
+          <a:p>
+            <a:r>
+              <a:rPr lang="en-US" dirty="0"/>
+              <a:t>  Minimize the filling time</a:t>
+            </a:r>
+          </a:p>
+          <a:p>
+            <a:endParaRPr lang="en-US" dirty="0"/>
+          </a:p>
+          <a:p>
+            <a:r>
+              <a:rPr lang="en-US" dirty="0"/>
+              <a:t>  Follow restrictions of the competition</a:t>
+            </a:r>
+          </a:p>
+          <a:p>
+            <a:endParaRPr lang="en-US" dirty="0"/>
+          </a:p>
+          <a:p>
+            <a:r>
+              <a:rPr lang="en-US" dirty="0"/>
+              <a:t>  Prevent any jamming of bullets in the station</a:t>
+            </a:r>
+          </a:p>
+        </p:txBody>
+      </p:sp>
+    </p:spTree>
+    <p:extLst>
+      <p:ext uri="{BB962C8B-B14F-4D97-AF65-F5344CB8AC3E}">
+        <p14:creationId xmlns:p14="http://schemas.microsoft.com/office/powerpoint/2010/main" val="1834363081"/>
+      </p:ext>
+    </p:extLst>
+  </p:cSld>
+  <p:clrMapOvr>
+    <a:masterClrMapping/>
+  </p:clrMapOvr>
+</p:sld>
+</file>
+
 <file path=ppt/theme/theme1.xml><?xml version="1.0" encoding="utf-8"?>
 <a:theme xmlns:a="http://schemas.openxmlformats.org/drawingml/2006/main" name="Circuit">
   <a:themeElements>

--- a/CDR.pptx
+++ b/CDR.pptx
@@ -177,7 +177,7 @@
           <a:noFill/>
           <a:extLst>
             <a:ext uri="{909E8E84-426E-40dd-AFC4-6F175D3DCCD1}">
-              <a14:hiddenFill xmlns="" xmlns:a14="http://schemas.microsoft.com/office/drawing/2010/main">
+              <a14:hiddenFill xmlns:a14="http://schemas.microsoft.com/office/drawing/2010/main" xmlns="">
                 <a:solidFill>
                   <a:srgbClr val="FFFFFF"/>
                 </a:solidFill>
@@ -237,7 +237,7 @@
             </a:ln>
             <a:extLst>
               <a:ext uri="{91240B29-F687-4f45-9708-019B960494DF}">
-                <a14:hiddenLine xmlns="" xmlns:a14="http://schemas.microsoft.com/office/drawing/2010/main" w="9525">
+                <a14:hiddenLine xmlns:a14="http://schemas.microsoft.com/office/drawing/2010/main" xmlns="" w="9525">
                   <a:solidFill>
                     <a:srgbClr val="000000"/>
                   </a:solidFill>
@@ -327,7 +327,7 @@
             </a:ln>
             <a:extLst>
               <a:ext uri="{91240B29-F687-4f45-9708-019B960494DF}">
-                <a14:hiddenLine xmlns="" xmlns:a14="http://schemas.microsoft.com/office/drawing/2010/main" w="9525">
+                <a14:hiddenLine xmlns:a14="http://schemas.microsoft.com/office/drawing/2010/main" xmlns="" w="9525">
                   <a:solidFill>
                     <a:srgbClr val="000000"/>
                   </a:solidFill>
@@ -417,7 +417,7 @@
             </a:ln>
             <a:extLst>
               <a:ext uri="{91240B29-F687-4f45-9708-019B960494DF}">
-                <a14:hiddenLine xmlns="" xmlns:a14="http://schemas.microsoft.com/office/drawing/2010/main" w="9525">
+                <a14:hiddenLine xmlns:a14="http://schemas.microsoft.com/office/drawing/2010/main" xmlns="" w="9525">
                   <a:solidFill>
                     <a:srgbClr val="000000"/>
                   </a:solidFill>
@@ -451,7 +451,7 @@
             </a:ln>
             <a:extLst>
               <a:ext uri="{91240B29-F687-4f45-9708-019B960494DF}">
-                <a14:hiddenLine xmlns="" xmlns:a14="http://schemas.microsoft.com/office/drawing/2010/main" w="9525">
+                <a14:hiddenLine xmlns:a14="http://schemas.microsoft.com/office/drawing/2010/main" xmlns="" w="9525">
                   <a:solidFill>
                     <a:srgbClr val="000000"/>
                   </a:solidFill>
@@ -541,7 +541,7 @@
             </a:ln>
             <a:extLst>
               <a:ext uri="{91240B29-F687-4f45-9708-019B960494DF}">
-                <a14:hiddenLine xmlns="" xmlns:a14="http://schemas.microsoft.com/office/drawing/2010/main" w="9525">
+                <a14:hiddenLine xmlns:a14="http://schemas.microsoft.com/office/drawing/2010/main" xmlns="" w="9525">
                   <a:solidFill>
                     <a:srgbClr val="000000"/>
                   </a:solidFill>
@@ -603,7 +603,7 @@
             </a:ln>
             <a:extLst>
               <a:ext uri="{91240B29-F687-4f45-9708-019B960494DF}">
-                <a14:hiddenLine xmlns="" xmlns:a14="http://schemas.microsoft.com/office/drawing/2010/main" w="9525">
+                <a14:hiddenLine xmlns:a14="http://schemas.microsoft.com/office/drawing/2010/main" xmlns="" w="9525">
                   <a:solidFill>
                     <a:srgbClr val="000000"/>
                   </a:solidFill>
@@ -665,7 +665,7 @@
             </a:ln>
             <a:extLst>
               <a:ext uri="{91240B29-F687-4f45-9708-019B960494DF}">
-                <a14:hiddenLine xmlns="" xmlns:a14="http://schemas.microsoft.com/office/drawing/2010/main" w="9525">
+                <a14:hiddenLine xmlns:a14="http://schemas.microsoft.com/office/drawing/2010/main" xmlns="" w="9525">
                   <a:solidFill>
                     <a:srgbClr val="000000"/>
                   </a:solidFill>
@@ -755,7 +755,7 @@
             </a:ln>
             <a:extLst>
               <a:ext uri="{91240B29-F687-4f45-9708-019B960494DF}">
-                <a14:hiddenLine xmlns="" xmlns:a14="http://schemas.microsoft.com/office/drawing/2010/main" w="9525">
+                <a14:hiddenLine xmlns:a14="http://schemas.microsoft.com/office/drawing/2010/main" xmlns="" w="9525">
                   <a:solidFill>
                     <a:srgbClr val="000000"/>
                   </a:solidFill>
@@ -817,7 +817,7 @@
             </a:ln>
             <a:extLst>
               <a:ext uri="{91240B29-F687-4f45-9708-019B960494DF}">
-                <a14:hiddenLine xmlns="" xmlns:a14="http://schemas.microsoft.com/office/drawing/2010/main" w="9525">
+                <a14:hiddenLine xmlns:a14="http://schemas.microsoft.com/office/drawing/2010/main" xmlns="" w="9525">
                   <a:solidFill>
                     <a:srgbClr val="000000"/>
                   </a:solidFill>
@@ -879,7 +879,7 @@
             </a:ln>
             <a:extLst>
               <a:ext uri="{91240B29-F687-4f45-9708-019B960494DF}">
-                <a14:hiddenLine xmlns="" xmlns:a14="http://schemas.microsoft.com/office/drawing/2010/main" w="9525">
+                <a14:hiddenLine xmlns:a14="http://schemas.microsoft.com/office/drawing/2010/main" xmlns="" w="9525">
                   <a:solidFill>
                     <a:srgbClr val="000000"/>
                   </a:solidFill>
@@ -969,7 +969,7 @@
             </a:ln>
             <a:extLst>
               <a:ext uri="{91240B29-F687-4f45-9708-019B960494DF}">
-                <a14:hiddenLine xmlns="" xmlns:a14="http://schemas.microsoft.com/office/drawing/2010/main" w="9525">
+                <a14:hiddenLine xmlns:a14="http://schemas.microsoft.com/office/drawing/2010/main" xmlns="" w="9525">
                   <a:solidFill>
                     <a:srgbClr val="000000"/>
                   </a:solidFill>
@@ -1059,7 +1059,7 @@
             </a:ln>
             <a:extLst>
               <a:ext uri="{91240B29-F687-4f45-9708-019B960494DF}">
-                <a14:hiddenLine xmlns="" xmlns:a14="http://schemas.microsoft.com/office/drawing/2010/main" w="9525">
+                <a14:hiddenLine xmlns:a14="http://schemas.microsoft.com/office/drawing/2010/main" xmlns="" w="9525">
                   <a:solidFill>
                     <a:srgbClr val="000000"/>
                   </a:solidFill>
@@ -1121,7 +1121,7 @@
             </a:ln>
             <a:extLst>
               <a:ext uri="{91240B29-F687-4f45-9708-019B960494DF}">
-                <a14:hiddenLine xmlns="" xmlns:a14="http://schemas.microsoft.com/office/drawing/2010/main" w="9525">
+                <a14:hiddenLine xmlns:a14="http://schemas.microsoft.com/office/drawing/2010/main" xmlns="" w="9525">
                   <a:solidFill>
                     <a:srgbClr val="000000"/>
                   </a:solidFill>
@@ -1231,7 +1231,7 @@
             </a:ln>
             <a:extLst>
               <a:ext uri="{91240B29-F687-4f45-9708-019B960494DF}">
-                <a14:hiddenLine xmlns="" xmlns:a14="http://schemas.microsoft.com/office/drawing/2010/main" w="9525">
+                <a14:hiddenLine xmlns:a14="http://schemas.microsoft.com/office/drawing/2010/main" xmlns="" w="9525">
                   <a:solidFill>
                     <a:srgbClr val="000000"/>
                   </a:solidFill>
@@ -1293,7 +1293,7 @@
             </a:ln>
             <a:extLst>
               <a:ext uri="{91240B29-F687-4f45-9708-019B960494DF}">
-                <a14:hiddenLine xmlns="" xmlns:a14="http://schemas.microsoft.com/office/drawing/2010/main" w="9525">
+                <a14:hiddenLine xmlns:a14="http://schemas.microsoft.com/office/drawing/2010/main" xmlns="" w="9525">
                   <a:solidFill>
                     <a:srgbClr val="000000"/>
                   </a:solidFill>
@@ -1383,7 +1383,7 @@
             </a:ln>
             <a:extLst>
               <a:ext uri="{91240B29-F687-4f45-9708-019B960494DF}">
-                <a14:hiddenLine xmlns="" xmlns:a14="http://schemas.microsoft.com/office/drawing/2010/main" w="9525">
+                <a14:hiddenLine xmlns:a14="http://schemas.microsoft.com/office/drawing/2010/main" xmlns="" w="9525">
                   <a:solidFill>
                     <a:srgbClr val="000000"/>
                   </a:solidFill>
@@ -1473,7 +1473,7 @@
             </a:ln>
             <a:extLst>
               <a:ext uri="{91240B29-F687-4f45-9708-019B960494DF}">
-                <a14:hiddenLine xmlns="" xmlns:a14="http://schemas.microsoft.com/office/drawing/2010/main" w="9525">
+                <a14:hiddenLine xmlns:a14="http://schemas.microsoft.com/office/drawing/2010/main" xmlns="" w="9525">
                   <a:solidFill>
                     <a:srgbClr val="000000"/>
                   </a:solidFill>
@@ -1535,7 +1535,7 @@
             </a:ln>
             <a:extLst>
               <a:ext uri="{91240B29-F687-4f45-9708-019B960494DF}">
-                <a14:hiddenLine xmlns="" xmlns:a14="http://schemas.microsoft.com/office/drawing/2010/main" w="9525">
+                <a14:hiddenLine xmlns:a14="http://schemas.microsoft.com/office/drawing/2010/main" xmlns="" w="9525">
                   <a:solidFill>
                     <a:srgbClr val="000000"/>
                   </a:solidFill>
@@ -1625,7 +1625,7 @@
             </a:ln>
             <a:extLst>
               <a:ext uri="{91240B29-F687-4f45-9708-019B960494DF}">
-                <a14:hiddenLine xmlns="" xmlns:a14="http://schemas.microsoft.com/office/drawing/2010/main" w="9525">
+                <a14:hiddenLine xmlns:a14="http://schemas.microsoft.com/office/drawing/2010/main" xmlns="" w="9525">
                   <a:solidFill>
                     <a:srgbClr val="000000"/>
                   </a:solidFill>
@@ -1715,7 +1715,7 @@
             </a:ln>
             <a:extLst>
               <a:ext uri="{91240B29-F687-4f45-9708-019B960494DF}">
-                <a14:hiddenLine xmlns="" xmlns:a14="http://schemas.microsoft.com/office/drawing/2010/main" w="9525">
+                <a14:hiddenLine xmlns:a14="http://schemas.microsoft.com/office/drawing/2010/main" xmlns="" w="9525">
                   <a:solidFill>
                     <a:srgbClr val="000000"/>
                   </a:solidFill>
@@ -1771,7 +1771,7 @@
             </a:ln>
             <a:extLst>
               <a:ext uri="{91240B29-F687-4f45-9708-019B960494DF}">
-                <a14:hiddenLine xmlns="" xmlns:a14="http://schemas.microsoft.com/office/drawing/2010/main" w="9525">
+                <a14:hiddenLine xmlns:a14="http://schemas.microsoft.com/office/drawing/2010/main" xmlns="" w="9525">
                   <a:solidFill>
                     <a:srgbClr val="000000"/>
                   </a:solidFill>
@@ -1861,7 +1861,7 @@
             </a:ln>
             <a:extLst>
               <a:ext uri="{91240B29-F687-4f45-9708-019B960494DF}">
-                <a14:hiddenLine xmlns="" xmlns:a14="http://schemas.microsoft.com/office/drawing/2010/main" w="9525">
+                <a14:hiddenLine xmlns:a14="http://schemas.microsoft.com/office/drawing/2010/main" xmlns="" w="9525">
                   <a:solidFill>
                     <a:srgbClr val="000000"/>
                   </a:solidFill>
@@ -1917,7 +1917,7 @@
             </a:ln>
             <a:extLst>
               <a:ext uri="{91240B29-F687-4f45-9708-019B960494DF}">
-                <a14:hiddenLine xmlns="" xmlns:a14="http://schemas.microsoft.com/office/drawing/2010/main" w="9525">
+                <a14:hiddenLine xmlns:a14="http://schemas.microsoft.com/office/drawing/2010/main" xmlns="" w="9525">
                   <a:solidFill>
                     <a:srgbClr val="000000"/>
                   </a:solidFill>
@@ -2007,7 +2007,7 @@
             </a:ln>
             <a:extLst>
               <a:ext uri="{91240B29-F687-4f45-9708-019B960494DF}">
-                <a14:hiddenLine xmlns="" xmlns:a14="http://schemas.microsoft.com/office/drawing/2010/main" w="9525">
+                <a14:hiddenLine xmlns:a14="http://schemas.microsoft.com/office/drawing/2010/main" xmlns="" w="9525">
                   <a:solidFill>
                     <a:srgbClr val="000000"/>
                   </a:solidFill>
@@ -2075,7 +2075,7 @@
             </a:ln>
             <a:extLst>
               <a:ext uri="{91240B29-F687-4f45-9708-019B960494DF}">
-                <a14:hiddenLine xmlns="" xmlns:a14="http://schemas.microsoft.com/office/drawing/2010/main" w="9525">
+                <a14:hiddenLine xmlns:a14="http://schemas.microsoft.com/office/drawing/2010/main" xmlns="" w="9525">
                   <a:solidFill>
                     <a:srgbClr val="000000"/>
                   </a:solidFill>
@@ -2165,7 +2165,7 @@
             </a:ln>
             <a:extLst>
               <a:ext uri="{91240B29-F687-4f45-9708-019B960494DF}">
-                <a14:hiddenLine xmlns="" xmlns:a14="http://schemas.microsoft.com/office/drawing/2010/main" w="9525">
+                <a14:hiddenLine xmlns:a14="http://schemas.microsoft.com/office/drawing/2010/main" xmlns="" w="9525">
                   <a:solidFill>
                     <a:srgbClr val="000000"/>
                   </a:solidFill>
@@ -2233,7 +2233,7 @@
             </a:ln>
             <a:extLst>
               <a:ext uri="{91240B29-F687-4f45-9708-019B960494DF}">
-                <a14:hiddenLine xmlns="" xmlns:a14="http://schemas.microsoft.com/office/drawing/2010/main" w="9525">
+                <a14:hiddenLine xmlns:a14="http://schemas.microsoft.com/office/drawing/2010/main" xmlns="" w="9525">
                   <a:solidFill>
                     <a:srgbClr val="000000"/>
                   </a:solidFill>
@@ -2323,7 +2323,7 @@
             </a:ln>
             <a:extLst>
               <a:ext uri="{91240B29-F687-4f45-9708-019B960494DF}">
-                <a14:hiddenLine xmlns="" xmlns:a14="http://schemas.microsoft.com/office/drawing/2010/main" w="9525">
+                <a14:hiddenLine xmlns:a14="http://schemas.microsoft.com/office/drawing/2010/main" xmlns="" w="9525">
                   <a:solidFill>
                     <a:srgbClr val="000000"/>
                   </a:solidFill>
@@ -2357,7 +2357,7 @@
             </a:ln>
             <a:extLst>
               <a:ext uri="{91240B29-F687-4f45-9708-019B960494DF}">
-                <a14:hiddenLine xmlns="" xmlns:a14="http://schemas.microsoft.com/office/drawing/2010/main" w="9525">
+                <a14:hiddenLine xmlns:a14="http://schemas.microsoft.com/office/drawing/2010/main" xmlns="" w="9525">
                   <a:solidFill>
                     <a:srgbClr val="000000"/>
                   </a:solidFill>
@@ -2447,7 +2447,7 @@
             </a:ln>
             <a:extLst>
               <a:ext uri="{91240B29-F687-4f45-9708-019B960494DF}">
-                <a14:hiddenLine xmlns="" xmlns:a14="http://schemas.microsoft.com/office/drawing/2010/main" w="9525">
+                <a14:hiddenLine xmlns:a14="http://schemas.microsoft.com/office/drawing/2010/main" xmlns="" w="9525">
                   <a:solidFill>
                     <a:srgbClr val="000000"/>
                   </a:solidFill>
@@ -2509,7 +2509,7 @@
             </a:ln>
             <a:extLst>
               <a:ext uri="{91240B29-F687-4f45-9708-019B960494DF}">
-                <a14:hiddenLine xmlns="" xmlns:a14="http://schemas.microsoft.com/office/drawing/2010/main" w="9525">
+                <a14:hiddenLine xmlns:a14="http://schemas.microsoft.com/office/drawing/2010/main" xmlns="" w="9525">
                   <a:solidFill>
                     <a:srgbClr val="000000"/>
                   </a:solidFill>
@@ -2571,7 +2571,7 @@
             </a:ln>
             <a:extLst>
               <a:ext uri="{91240B29-F687-4f45-9708-019B960494DF}">
-                <a14:hiddenLine xmlns="" xmlns:a14="http://schemas.microsoft.com/office/drawing/2010/main" w="9525">
+                <a14:hiddenLine xmlns:a14="http://schemas.microsoft.com/office/drawing/2010/main" xmlns="" w="9525">
                   <a:solidFill>
                     <a:srgbClr val="000000"/>
                   </a:solidFill>
@@ -2661,7 +2661,7 @@
             </a:ln>
             <a:extLst>
               <a:ext uri="{91240B29-F687-4f45-9708-019B960494DF}">
-                <a14:hiddenLine xmlns="" xmlns:a14="http://schemas.microsoft.com/office/drawing/2010/main" w="9525">
+                <a14:hiddenLine xmlns:a14="http://schemas.microsoft.com/office/drawing/2010/main" xmlns="" w="9525">
                   <a:solidFill>
                     <a:srgbClr val="000000"/>
                   </a:solidFill>
@@ -2729,7 +2729,7 @@
             </a:ln>
             <a:extLst>
               <a:ext uri="{91240B29-F687-4f45-9708-019B960494DF}">
-                <a14:hiddenLine xmlns="" xmlns:a14="http://schemas.microsoft.com/office/drawing/2010/main" w="9525">
+                <a14:hiddenLine xmlns:a14="http://schemas.microsoft.com/office/drawing/2010/main" xmlns="" w="9525">
                   <a:solidFill>
                     <a:srgbClr val="000000"/>
                   </a:solidFill>
@@ -2791,7 +2791,7 @@
             </a:ln>
             <a:extLst>
               <a:ext uri="{91240B29-F687-4f45-9708-019B960494DF}">
-                <a14:hiddenLine xmlns="" xmlns:a14="http://schemas.microsoft.com/office/drawing/2010/main" w="9525">
+                <a14:hiddenLine xmlns:a14="http://schemas.microsoft.com/office/drawing/2010/main" xmlns="" w="9525">
                   <a:solidFill>
                     <a:srgbClr val="000000"/>
                   </a:solidFill>
@@ -2881,7 +2881,7 @@
             </a:ln>
             <a:extLst>
               <a:ext uri="{91240B29-F687-4f45-9708-019B960494DF}">
-                <a14:hiddenLine xmlns="" xmlns:a14="http://schemas.microsoft.com/office/drawing/2010/main" w="9525">
+                <a14:hiddenLine xmlns:a14="http://schemas.microsoft.com/office/drawing/2010/main" xmlns="" w="9525">
                   <a:solidFill>
                     <a:srgbClr val="000000"/>
                   </a:solidFill>
@@ -2943,7 +2943,7 @@
             </a:ln>
             <a:extLst>
               <a:ext uri="{91240B29-F687-4f45-9708-019B960494DF}">
-                <a14:hiddenLine xmlns="" xmlns:a14="http://schemas.microsoft.com/office/drawing/2010/main" w="9525">
+                <a14:hiddenLine xmlns:a14="http://schemas.microsoft.com/office/drawing/2010/main" xmlns="" w="9525">
                   <a:solidFill>
                     <a:srgbClr val="000000"/>
                   </a:solidFill>
@@ -3033,7 +3033,7 @@
             </a:ln>
             <a:extLst>
               <a:ext uri="{91240B29-F687-4f45-9708-019B960494DF}">
-                <a14:hiddenLine xmlns="" xmlns:a14="http://schemas.microsoft.com/office/drawing/2010/main" w="9525">
+                <a14:hiddenLine xmlns:a14="http://schemas.microsoft.com/office/drawing/2010/main" xmlns="" w="9525">
                   <a:solidFill>
                     <a:srgbClr val="000000"/>
                   </a:solidFill>
@@ -3095,7 +3095,7 @@
             </a:ln>
             <a:extLst>
               <a:ext uri="{91240B29-F687-4f45-9708-019B960494DF}">
-                <a14:hiddenLine xmlns="" xmlns:a14="http://schemas.microsoft.com/office/drawing/2010/main" w="9525">
+                <a14:hiddenLine xmlns:a14="http://schemas.microsoft.com/office/drawing/2010/main" xmlns="" w="9525">
                   <a:solidFill>
                     <a:srgbClr val="000000"/>
                   </a:solidFill>
@@ -3185,7 +3185,7 @@
             </a:ln>
             <a:extLst>
               <a:ext uri="{91240B29-F687-4f45-9708-019B960494DF}">
-                <a14:hiddenLine xmlns="" xmlns:a14="http://schemas.microsoft.com/office/drawing/2010/main" w="9525">
+                <a14:hiddenLine xmlns:a14="http://schemas.microsoft.com/office/drawing/2010/main" xmlns="" w="9525">
                   <a:solidFill>
                     <a:srgbClr val="000000"/>
                   </a:solidFill>
@@ -3219,7 +3219,7 @@
             </a:ln>
             <a:extLst>
               <a:ext uri="{91240B29-F687-4f45-9708-019B960494DF}">
-                <a14:hiddenLine xmlns="" xmlns:a14="http://schemas.microsoft.com/office/drawing/2010/main" w="9525">
+                <a14:hiddenLine xmlns:a14="http://schemas.microsoft.com/office/drawing/2010/main" xmlns="" w="9525">
                   <a:solidFill>
                     <a:srgbClr val="000000"/>
                   </a:solidFill>
@@ -3284,7 +3284,7 @@
             </a:ln>
             <a:extLst>
               <a:ext uri="{91240B29-F687-4f45-9708-019B960494DF}">
-                <a14:hiddenLine xmlns="" xmlns:a14="http://schemas.microsoft.com/office/drawing/2010/main" w="9525">
+                <a14:hiddenLine xmlns:a14="http://schemas.microsoft.com/office/drawing/2010/main" xmlns="" w="9525">
                   <a:solidFill>
                     <a:srgbClr val="000000"/>
                   </a:solidFill>
@@ -3374,7 +3374,7 @@
             </a:ln>
             <a:extLst>
               <a:ext uri="{91240B29-F687-4f45-9708-019B960494DF}">
-                <a14:hiddenLine xmlns="" xmlns:a14="http://schemas.microsoft.com/office/drawing/2010/main" w="9525">
+                <a14:hiddenLine xmlns:a14="http://schemas.microsoft.com/office/drawing/2010/main" xmlns="" w="9525">
                   <a:solidFill>
                     <a:srgbClr val="000000"/>
                   </a:solidFill>
@@ -3436,7 +3436,7 @@
             </a:ln>
             <a:extLst>
               <a:ext uri="{91240B29-F687-4f45-9708-019B960494DF}">
-                <a14:hiddenLine xmlns="" xmlns:a14="http://schemas.microsoft.com/office/drawing/2010/main" w="9525">
+                <a14:hiddenLine xmlns:a14="http://schemas.microsoft.com/office/drawing/2010/main" xmlns="" w="9525">
                   <a:solidFill>
                     <a:srgbClr val="000000"/>
                   </a:solidFill>
@@ -3526,7 +3526,7 @@
             </a:ln>
             <a:extLst>
               <a:ext uri="{91240B29-F687-4f45-9708-019B960494DF}">
-                <a14:hiddenLine xmlns="" xmlns:a14="http://schemas.microsoft.com/office/drawing/2010/main" w="9525">
+                <a14:hiddenLine xmlns:a14="http://schemas.microsoft.com/office/drawing/2010/main" xmlns="" w="9525">
                   <a:solidFill>
                     <a:srgbClr val="000000"/>
                   </a:solidFill>
@@ -3616,7 +3616,7 @@
             </a:ln>
             <a:extLst>
               <a:ext uri="{91240B29-F687-4f45-9708-019B960494DF}">
-                <a14:hiddenLine xmlns="" xmlns:a14="http://schemas.microsoft.com/office/drawing/2010/main" w="9525">
+                <a14:hiddenLine xmlns:a14="http://schemas.microsoft.com/office/drawing/2010/main" xmlns="" w="9525">
                   <a:solidFill>
                     <a:srgbClr val="000000"/>
                   </a:solidFill>
@@ -3681,7 +3681,7 @@
             </a:ln>
             <a:extLst>
               <a:ext uri="{91240B29-F687-4f45-9708-019B960494DF}">
-                <a14:hiddenLine xmlns="" xmlns:a14="http://schemas.microsoft.com/office/drawing/2010/main" w="9525">
+                <a14:hiddenLine xmlns:a14="http://schemas.microsoft.com/office/drawing/2010/main" xmlns="" w="9525">
                   <a:solidFill>
                     <a:srgbClr val="000000"/>
                   </a:solidFill>
@@ -3743,7 +3743,7 @@
             </a:ln>
             <a:extLst>
               <a:ext uri="{91240B29-F687-4f45-9708-019B960494DF}">
-                <a14:hiddenLine xmlns="" xmlns:a14="http://schemas.microsoft.com/office/drawing/2010/main" w="9525">
+                <a14:hiddenLine xmlns:a14="http://schemas.microsoft.com/office/drawing/2010/main" xmlns="" w="9525">
                   <a:solidFill>
                     <a:srgbClr val="000000"/>
                   </a:solidFill>
@@ -3833,7 +3833,7 @@
             </a:ln>
             <a:extLst>
               <a:ext uri="{91240B29-F687-4f45-9708-019B960494DF}">
-                <a14:hiddenLine xmlns="" xmlns:a14="http://schemas.microsoft.com/office/drawing/2010/main" w="9525">
+                <a14:hiddenLine xmlns:a14="http://schemas.microsoft.com/office/drawing/2010/main" xmlns="" w="9525">
                   <a:solidFill>
                     <a:srgbClr val="000000"/>
                   </a:solidFill>
@@ -3923,7 +3923,7 @@
             </a:ln>
             <a:extLst>
               <a:ext uri="{91240B29-F687-4f45-9708-019B960494DF}">
-                <a14:hiddenLine xmlns="" xmlns:a14="http://schemas.microsoft.com/office/drawing/2010/main" w="9525">
+                <a14:hiddenLine xmlns:a14="http://schemas.microsoft.com/office/drawing/2010/main" xmlns="" w="9525">
                   <a:solidFill>
                     <a:srgbClr val="000000"/>
                   </a:solidFill>
@@ -3985,7 +3985,7 @@
             </a:ln>
             <a:extLst>
               <a:ext uri="{91240B29-F687-4f45-9708-019B960494DF}">
-                <a14:hiddenLine xmlns="" xmlns:a14="http://schemas.microsoft.com/office/drawing/2010/main" w="9525">
+                <a14:hiddenLine xmlns:a14="http://schemas.microsoft.com/office/drawing/2010/main" xmlns="" w="9525">
                   <a:solidFill>
                     <a:srgbClr val="000000"/>
                   </a:solidFill>
@@ -4105,7 +4105,7 @@
             </a:ln>
             <a:extLst>
               <a:ext uri="{91240B29-F687-4f45-9708-019B960494DF}">
-                <a14:hiddenLine xmlns="" xmlns:a14="http://schemas.microsoft.com/office/drawing/2010/main" w="9525">
+                <a14:hiddenLine xmlns:a14="http://schemas.microsoft.com/office/drawing/2010/main" xmlns="" w="9525">
                   <a:solidFill>
                     <a:srgbClr val="000000"/>
                   </a:solidFill>
@@ -4173,7 +4173,7 @@
             </a:ln>
             <a:extLst>
               <a:ext uri="{91240B29-F687-4f45-9708-019B960494DF}">
-                <a14:hiddenLine xmlns="" xmlns:a14="http://schemas.microsoft.com/office/drawing/2010/main" w="9525">
+                <a14:hiddenLine xmlns:a14="http://schemas.microsoft.com/office/drawing/2010/main" xmlns="" w="9525">
                   <a:solidFill>
                     <a:srgbClr val="000000"/>
                   </a:solidFill>
@@ -4263,7 +4263,7 @@
             </a:ln>
             <a:extLst>
               <a:ext uri="{91240B29-F687-4f45-9708-019B960494DF}">
-                <a14:hiddenLine xmlns="" xmlns:a14="http://schemas.microsoft.com/office/drawing/2010/main" w="9525">
+                <a14:hiddenLine xmlns:a14="http://schemas.microsoft.com/office/drawing/2010/main" xmlns="" w="9525">
                   <a:solidFill>
                     <a:srgbClr val="000000"/>
                   </a:solidFill>
@@ -8992,7 +8992,7 @@
           <a:noFill/>
           <a:extLst>
             <a:ext uri="{909E8E84-426E-40dd-AFC4-6F175D3DCCD1}">
-              <a14:hiddenFill xmlns="" xmlns:a14="http://schemas.microsoft.com/office/drawing/2010/main">
+              <a14:hiddenFill xmlns:a14="http://schemas.microsoft.com/office/drawing/2010/main" xmlns="">
                 <a:solidFill>
                   <a:srgbClr val="FFFFFF"/>
                 </a:solidFill>
@@ -9066,7 +9066,7 @@
               </a:ln>
               <a:extLst>
                 <a:ext uri="{91240B29-F687-4f45-9708-019B960494DF}">
-                  <a14:hiddenLine xmlns="" xmlns:a14="http://schemas.microsoft.com/office/drawing/2010/main" w="9525">
+                  <a14:hiddenLine xmlns:a14="http://schemas.microsoft.com/office/drawing/2010/main" xmlns="" w="9525">
                     <a:solidFill>
                       <a:srgbClr val="000000"/>
                     </a:solidFill>
@@ -9156,7 +9156,7 @@
               </a:ln>
               <a:extLst>
                 <a:ext uri="{91240B29-F687-4f45-9708-019B960494DF}">
-                  <a14:hiddenLine xmlns="" xmlns:a14="http://schemas.microsoft.com/office/drawing/2010/main" w="9525">
+                  <a14:hiddenLine xmlns:a14="http://schemas.microsoft.com/office/drawing/2010/main" xmlns="" w="9525">
                     <a:solidFill>
                       <a:srgbClr val="000000"/>
                     </a:solidFill>
@@ -9246,7 +9246,7 @@
               </a:ln>
               <a:extLst>
                 <a:ext uri="{91240B29-F687-4f45-9708-019B960494DF}">
-                  <a14:hiddenLine xmlns="" xmlns:a14="http://schemas.microsoft.com/office/drawing/2010/main" w="9525">
+                  <a14:hiddenLine xmlns:a14="http://schemas.microsoft.com/office/drawing/2010/main" xmlns="" w="9525">
                     <a:solidFill>
                       <a:srgbClr val="000000"/>
                     </a:solidFill>
@@ -9308,7 +9308,7 @@
               </a:ln>
               <a:extLst>
                 <a:ext uri="{91240B29-F687-4f45-9708-019B960494DF}">
-                  <a14:hiddenLine xmlns="" xmlns:a14="http://schemas.microsoft.com/office/drawing/2010/main" w="9525">
+                  <a14:hiddenLine xmlns:a14="http://schemas.microsoft.com/office/drawing/2010/main" xmlns="" w="9525">
                     <a:solidFill>
                       <a:srgbClr val="000000"/>
                     </a:solidFill>
@@ -9398,7 +9398,7 @@
               </a:ln>
               <a:extLst>
                 <a:ext uri="{91240B29-F687-4f45-9708-019B960494DF}">
-                  <a14:hiddenLine xmlns="" xmlns:a14="http://schemas.microsoft.com/office/drawing/2010/main" w="9525">
+                  <a14:hiddenLine xmlns:a14="http://schemas.microsoft.com/office/drawing/2010/main" xmlns="" w="9525">
                     <a:solidFill>
                       <a:srgbClr val="000000"/>
                     </a:solidFill>
@@ -9460,7 +9460,7 @@
               </a:ln>
               <a:extLst>
                 <a:ext uri="{91240B29-F687-4f45-9708-019B960494DF}">
-                  <a14:hiddenLine xmlns="" xmlns:a14="http://schemas.microsoft.com/office/drawing/2010/main" w="9525">
+                  <a14:hiddenLine xmlns:a14="http://schemas.microsoft.com/office/drawing/2010/main" xmlns="" w="9525">
                     <a:solidFill>
                       <a:srgbClr val="000000"/>
                     </a:solidFill>
@@ -9522,7 +9522,7 @@
               </a:ln>
               <a:extLst>
                 <a:ext uri="{91240B29-F687-4f45-9708-019B960494DF}">
-                  <a14:hiddenLine xmlns="" xmlns:a14="http://schemas.microsoft.com/office/drawing/2010/main" w="9525">
+                  <a14:hiddenLine xmlns:a14="http://schemas.microsoft.com/office/drawing/2010/main" xmlns="" w="9525">
                     <a:solidFill>
                       <a:srgbClr val="000000"/>
                     </a:solidFill>
@@ -9612,7 +9612,7 @@
               </a:ln>
               <a:extLst>
                 <a:ext uri="{91240B29-F687-4f45-9708-019B960494DF}">
-                  <a14:hiddenLine xmlns="" xmlns:a14="http://schemas.microsoft.com/office/drawing/2010/main" w="9525">
+                  <a14:hiddenLine xmlns:a14="http://schemas.microsoft.com/office/drawing/2010/main" xmlns="" w="9525">
                     <a:solidFill>
                       <a:srgbClr val="000000"/>
                     </a:solidFill>
@@ -9702,7 +9702,7 @@
               </a:ln>
               <a:extLst>
                 <a:ext uri="{91240B29-F687-4f45-9708-019B960494DF}">
-                  <a14:hiddenLine xmlns="" xmlns:a14="http://schemas.microsoft.com/office/drawing/2010/main" w="9525">
+                  <a14:hiddenLine xmlns:a14="http://schemas.microsoft.com/office/drawing/2010/main" xmlns="" w="9525">
                     <a:solidFill>
                       <a:srgbClr val="000000"/>
                     </a:solidFill>
@@ -9764,7 +9764,7 @@
               </a:ln>
               <a:extLst>
                 <a:ext uri="{91240B29-F687-4f45-9708-019B960494DF}">
-                  <a14:hiddenLine xmlns="" xmlns:a14="http://schemas.microsoft.com/office/drawing/2010/main" w="9525">
+                  <a14:hiddenLine xmlns:a14="http://schemas.microsoft.com/office/drawing/2010/main" xmlns="" w="9525">
                     <a:solidFill>
                       <a:srgbClr val="000000"/>
                     </a:solidFill>
@@ -9874,7 +9874,7 @@
               </a:ln>
               <a:extLst>
                 <a:ext uri="{91240B29-F687-4f45-9708-019B960494DF}">
-                  <a14:hiddenLine xmlns="" xmlns:a14="http://schemas.microsoft.com/office/drawing/2010/main" w="9525">
+                  <a14:hiddenLine xmlns:a14="http://schemas.microsoft.com/office/drawing/2010/main" xmlns="" w="9525">
                     <a:solidFill>
                       <a:srgbClr val="000000"/>
                     </a:solidFill>
@@ -9958,7 +9958,7 @@
               </a:ln>
               <a:extLst>
                 <a:ext uri="{91240B29-F687-4f45-9708-019B960494DF}">
-                  <a14:hiddenLine xmlns="" xmlns:a14="http://schemas.microsoft.com/office/drawing/2010/main" w="9525">
+                  <a14:hiddenLine xmlns:a14="http://schemas.microsoft.com/office/drawing/2010/main" xmlns="" w="9525">
                     <a:solidFill>
                       <a:srgbClr val="000000"/>
                     </a:solidFill>
@@ -10020,7 +10020,7 @@
               </a:ln>
               <a:extLst>
                 <a:ext uri="{91240B29-F687-4f45-9708-019B960494DF}">
-                  <a14:hiddenLine xmlns="" xmlns:a14="http://schemas.microsoft.com/office/drawing/2010/main" w="9525">
+                  <a14:hiddenLine xmlns:a14="http://schemas.microsoft.com/office/drawing/2010/main" xmlns="" w="9525">
                     <a:solidFill>
                       <a:srgbClr val="000000"/>
                     </a:solidFill>
@@ -10082,7 +10082,7 @@
               </a:ln>
               <a:extLst>
                 <a:ext uri="{91240B29-F687-4f45-9708-019B960494DF}">
-                  <a14:hiddenLine xmlns="" xmlns:a14="http://schemas.microsoft.com/office/drawing/2010/main" w="9525">
+                  <a14:hiddenLine xmlns:a14="http://schemas.microsoft.com/office/drawing/2010/main" xmlns="" w="9525">
                     <a:solidFill>
                       <a:srgbClr val="000000"/>
                     </a:solidFill>
@@ -10172,7 +10172,7 @@
               </a:ln>
               <a:extLst>
                 <a:ext uri="{91240B29-F687-4f45-9708-019B960494DF}">
-                  <a14:hiddenLine xmlns="" xmlns:a14="http://schemas.microsoft.com/office/drawing/2010/main" w="9525">
+                  <a14:hiddenLine xmlns:a14="http://schemas.microsoft.com/office/drawing/2010/main" xmlns="" w="9525">
                     <a:solidFill>
                       <a:srgbClr val="000000"/>
                     </a:solidFill>
@@ -10206,7 +10206,7 @@
               </a:ln>
               <a:extLst>
                 <a:ext uri="{91240B29-F687-4f45-9708-019B960494DF}">
-                  <a14:hiddenLine xmlns="" xmlns:a14="http://schemas.microsoft.com/office/drawing/2010/main" w="9525">
+                  <a14:hiddenLine xmlns:a14="http://schemas.microsoft.com/office/drawing/2010/main" xmlns="" w="9525">
                     <a:solidFill>
                       <a:srgbClr val="000000"/>
                     </a:solidFill>
@@ -10271,7 +10271,7 @@
               </a:ln>
               <a:extLst>
                 <a:ext uri="{91240B29-F687-4f45-9708-019B960494DF}">
-                  <a14:hiddenLine xmlns="" xmlns:a14="http://schemas.microsoft.com/office/drawing/2010/main" w="9525">
+                  <a14:hiddenLine xmlns:a14="http://schemas.microsoft.com/office/drawing/2010/main" xmlns="" w="9525">
                     <a:solidFill>
                       <a:srgbClr val="000000"/>
                     </a:solidFill>
@@ -10361,7 +10361,7 @@
               </a:ln>
               <a:extLst>
                 <a:ext uri="{91240B29-F687-4f45-9708-019B960494DF}">
-                  <a14:hiddenLine xmlns="" xmlns:a14="http://schemas.microsoft.com/office/drawing/2010/main" w="9525">
+                  <a14:hiddenLine xmlns:a14="http://schemas.microsoft.com/office/drawing/2010/main" xmlns="" w="9525">
                     <a:solidFill>
                       <a:srgbClr val="000000"/>
                     </a:solidFill>
@@ -10423,7 +10423,7 @@
               </a:ln>
               <a:extLst>
                 <a:ext uri="{91240B29-F687-4f45-9708-019B960494DF}">
-                  <a14:hiddenLine xmlns="" xmlns:a14="http://schemas.microsoft.com/office/drawing/2010/main" w="9525">
+                  <a14:hiddenLine xmlns:a14="http://schemas.microsoft.com/office/drawing/2010/main" xmlns="" w="9525">
                     <a:solidFill>
                       <a:srgbClr val="000000"/>
                     </a:solidFill>
@@ -10513,7 +10513,7 @@
               </a:ln>
               <a:extLst>
                 <a:ext uri="{91240B29-F687-4f45-9708-019B960494DF}">
-                  <a14:hiddenLine xmlns="" xmlns:a14="http://schemas.microsoft.com/office/drawing/2010/main" w="9525">
+                  <a14:hiddenLine xmlns:a14="http://schemas.microsoft.com/office/drawing/2010/main" xmlns="" w="9525">
                     <a:solidFill>
                       <a:srgbClr val="000000"/>
                     </a:solidFill>
@@ -10578,7 +10578,7 @@
               </a:ln>
               <a:extLst>
                 <a:ext uri="{91240B29-F687-4f45-9708-019B960494DF}">
-                  <a14:hiddenLine xmlns="" xmlns:a14="http://schemas.microsoft.com/office/drawing/2010/main" w="9525">
+                  <a14:hiddenLine xmlns:a14="http://schemas.microsoft.com/office/drawing/2010/main" xmlns="" w="9525">
                     <a:solidFill>
                       <a:srgbClr val="000000"/>
                     </a:solidFill>
@@ -10640,7 +10640,7 @@
               </a:ln>
               <a:extLst>
                 <a:ext uri="{91240B29-F687-4f45-9708-019B960494DF}">
-                  <a14:hiddenLine xmlns="" xmlns:a14="http://schemas.microsoft.com/office/drawing/2010/main" w="9525">
+                  <a14:hiddenLine xmlns:a14="http://schemas.microsoft.com/office/drawing/2010/main" xmlns="" w="9525">
                     <a:solidFill>
                       <a:srgbClr val="000000"/>
                     </a:solidFill>
@@ -10730,7 +10730,7 @@
               </a:ln>
               <a:extLst>
                 <a:ext uri="{91240B29-F687-4f45-9708-019B960494DF}">
-                  <a14:hiddenLine xmlns="" xmlns:a14="http://schemas.microsoft.com/office/drawing/2010/main" w="9525">
+                  <a14:hiddenLine xmlns:a14="http://schemas.microsoft.com/office/drawing/2010/main" xmlns="" w="9525">
                     <a:solidFill>
                       <a:srgbClr val="000000"/>
                     </a:solidFill>
@@ -10820,7 +10820,7 @@
               </a:ln>
               <a:extLst>
                 <a:ext uri="{91240B29-F687-4f45-9708-019B960494DF}">
-                  <a14:hiddenLine xmlns="" xmlns:a14="http://schemas.microsoft.com/office/drawing/2010/main" w="9525">
+                  <a14:hiddenLine xmlns:a14="http://schemas.microsoft.com/office/drawing/2010/main" xmlns="" w="9525">
                     <a:solidFill>
                       <a:srgbClr val="000000"/>
                     </a:solidFill>
@@ -10885,7 +10885,7 @@
               </a:ln>
               <a:extLst>
                 <a:ext uri="{91240B29-F687-4f45-9708-019B960494DF}">
-                  <a14:hiddenLine xmlns="" xmlns:a14="http://schemas.microsoft.com/office/drawing/2010/main" w="9525">
+                  <a14:hiddenLine xmlns:a14="http://schemas.microsoft.com/office/drawing/2010/main" xmlns="" w="9525">
                     <a:solidFill>
                       <a:srgbClr val="000000"/>
                     </a:solidFill>
@@ -11005,7 +11005,7 @@
               </a:ln>
               <a:extLst>
                 <a:ext uri="{91240B29-F687-4f45-9708-019B960494DF}">
-                  <a14:hiddenLine xmlns="" xmlns:a14="http://schemas.microsoft.com/office/drawing/2010/main" w="9525">
+                  <a14:hiddenLine xmlns:a14="http://schemas.microsoft.com/office/drawing/2010/main" xmlns="" w="9525">
                     <a:solidFill>
                       <a:srgbClr val="000000"/>
                     </a:solidFill>
@@ -11103,7 +11103,7 @@
               </a:ln>
               <a:extLst>
                 <a:ext uri="{91240B29-F687-4f45-9708-019B960494DF}">
-                  <a14:hiddenLine xmlns="" xmlns:a14="http://schemas.microsoft.com/office/drawing/2010/main" w="9525">
+                  <a14:hiddenLine xmlns:a14="http://schemas.microsoft.com/office/drawing/2010/main" xmlns="" w="9525">
                     <a:solidFill>
                       <a:srgbClr val="000000"/>
                     </a:solidFill>
@@ -11218,7 +11218,7 @@
               </a:ln>
               <a:extLst>
                 <a:ext uri="{91240B29-F687-4f45-9708-019B960494DF}">
-                  <a14:hiddenLine xmlns="" xmlns:a14="http://schemas.microsoft.com/office/drawing/2010/main" w="9525">
+                  <a14:hiddenLine xmlns:a14="http://schemas.microsoft.com/office/drawing/2010/main" xmlns="" w="9525">
                     <a:solidFill>
                       <a:srgbClr val="000000"/>
                     </a:solidFill>
@@ -11308,7 +11308,7 @@
               </a:ln>
               <a:extLst>
                 <a:ext uri="{91240B29-F687-4f45-9708-019B960494DF}">
-                  <a14:hiddenLine xmlns="" xmlns:a14="http://schemas.microsoft.com/office/drawing/2010/main" w="9525">
+                  <a14:hiddenLine xmlns:a14="http://schemas.microsoft.com/office/drawing/2010/main" xmlns="" w="9525">
                     <a:solidFill>
                       <a:srgbClr val="000000"/>
                     </a:solidFill>
@@ -11373,7 +11373,7 @@
               </a:ln>
               <a:extLst>
                 <a:ext uri="{91240B29-F687-4f45-9708-019B960494DF}">
-                  <a14:hiddenLine xmlns="" xmlns:a14="http://schemas.microsoft.com/office/drawing/2010/main" w="9525">
+                  <a14:hiddenLine xmlns:a14="http://schemas.microsoft.com/office/drawing/2010/main" xmlns="" w="9525">
                     <a:solidFill>
                       <a:srgbClr val="000000"/>
                     </a:solidFill>
@@ -11463,7 +11463,7 @@
               </a:ln>
               <a:extLst>
                 <a:ext uri="{91240B29-F687-4f45-9708-019B960494DF}">
-                  <a14:hiddenLine xmlns="" xmlns:a14="http://schemas.microsoft.com/office/drawing/2010/main" w="9525">
+                  <a14:hiddenLine xmlns:a14="http://schemas.microsoft.com/office/drawing/2010/main" xmlns="" w="9525">
                     <a:solidFill>
                       <a:srgbClr val="000000"/>
                     </a:solidFill>
@@ -11531,7 +11531,7 @@
               </a:ln>
               <a:extLst>
                 <a:ext uri="{91240B29-F687-4f45-9708-019B960494DF}">
-                  <a14:hiddenLine xmlns="" xmlns:a14="http://schemas.microsoft.com/office/drawing/2010/main" w="9525">
+                  <a14:hiddenLine xmlns:a14="http://schemas.microsoft.com/office/drawing/2010/main" xmlns="" w="9525">
                     <a:solidFill>
                       <a:srgbClr val="000000"/>
                     </a:solidFill>
@@ -11621,7 +11621,7 @@
               </a:ln>
               <a:extLst>
                 <a:ext uri="{91240B29-F687-4f45-9708-019B960494DF}">
-                  <a14:hiddenLine xmlns="" xmlns:a14="http://schemas.microsoft.com/office/drawing/2010/main" w="9525">
+                  <a14:hiddenLine xmlns:a14="http://schemas.microsoft.com/office/drawing/2010/main" xmlns="" w="9525">
                     <a:solidFill>
                       <a:srgbClr val="000000"/>
                     </a:solidFill>
@@ -11689,7 +11689,7 @@
               </a:ln>
               <a:extLst>
                 <a:ext uri="{91240B29-F687-4f45-9708-019B960494DF}">
-                  <a14:hiddenLine xmlns="" xmlns:a14="http://schemas.microsoft.com/office/drawing/2010/main" w="9525">
+                  <a14:hiddenLine xmlns:a14="http://schemas.microsoft.com/office/drawing/2010/main" xmlns="" w="9525">
                     <a:solidFill>
                       <a:srgbClr val="000000"/>
                     </a:solidFill>
@@ -11779,7 +11779,7 @@
               </a:ln>
               <a:extLst>
                 <a:ext uri="{91240B29-F687-4f45-9708-019B960494DF}">
-                  <a14:hiddenLine xmlns="" xmlns:a14="http://schemas.microsoft.com/office/drawing/2010/main" w="9525">
+                  <a14:hiddenLine xmlns:a14="http://schemas.microsoft.com/office/drawing/2010/main" xmlns="" w="9525">
                     <a:solidFill>
                       <a:srgbClr val="000000"/>
                     </a:solidFill>
@@ -11813,7 +11813,7 @@
               </a:ln>
               <a:extLst>
                 <a:ext uri="{91240B29-F687-4f45-9708-019B960494DF}">
-                  <a14:hiddenLine xmlns="" xmlns:a14="http://schemas.microsoft.com/office/drawing/2010/main" w="9525">
+                  <a14:hiddenLine xmlns:a14="http://schemas.microsoft.com/office/drawing/2010/main" xmlns="" w="9525">
                     <a:solidFill>
                       <a:srgbClr val="000000"/>
                     </a:solidFill>
@@ -12771,11 +12771,11 @@
             </a:r>
             <a:r>
               <a:rPr lang="en-US" dirty="0" err="1"/>
-              <a:t>Cytron</a:t>
+              <a:t>Pololu</a:t>
             </a:r>
             <a:r>
               <a:rPr lang="en-US" dirty="0"/>
-              <a:t> 10A 5-25V Dual Channel DC Motor Driver</a:t>
+              <a:t> Simple High-Power Motor Controller 18v15</a:t>
             </a:r>
             <a:br>
               <a:rPr lang="en-US" dirty="0"/>
@@ -12785,7 +12785,25 @@
             </a:br>
             <a:r>
               <a:rPr lang="en-US" dirty="0"/>
-              <a:t>Detect Sensor: Octopus Photo Interrupter Sensor Brick &amp; QED123-ND</a:t>
+              <a:t>Detect Sensor</a:t>
+            </a:r>
+            <a:r>
+              <a:rPr lang="en-US"/>
+              <a:t>: </a:t>
+            </a:r>
+            <a:r>
+              <a:rPr lang="en-US">
+                <a:effectLst/>
+              </a:rPr>
+              <a:t>QSD122A4R0-ND</a:t>
+            </a:r>
+            <a:r>
+              <a:rPr lang="en-US"/>
+              <a:t> </a:t>
+            </a:r>
+            <a:r>
+              <a:rPr lang="en-US" dirty="0"/>
+              <a:t>&amp; QED123-ND</a:t>
             </a:r>
             <a:br>
               <a:rPr lang="en-US" dirty="0"/>

--- a/CDR.pptx
+++ b/CDR.pptx
@@ -10,6 +10,11 @@
     <p:sldId id="258" r:id="rId4"/>
     <p:sldId id="259" r:id="rId5"/>
     <p:sldId id="260" r:id="rId6"/>
+    <p:sldId id="261" r:id="rId7"/>
+    <p:sldId id="262" r:id="rId8"/>
+    <p:sldId id="263" r:id="rId9"/>
+    <p:sldId id="264" r:id="rId10"/>
+    <p:sldId id="265" r:id="rId11"/>
   </p:sldIdLst>
   <p:sldSz cx="12192000" cy="6858000"/>
   <p:notesSz cx="6858000" cy="9144000"/>
@@ -12398,6 +12403,30 @@
 <file path=ppt/slides/slide1.xml><?xml version="1.0" encoding="utf-8"?>
 <p:sld xmlns:a="http://schemas.openxmlformats.org/drawingml/2006/main" xmlns:r="http://schemas.openxmlformats.org/officeDocument/2006/relationships" xmlns:p="http://schemas.openxmlformats.org/presentationml/2006/main">
   <p:cSld>
+    <p:bg>
+      <p:bgPr>
+        <a:blipFill>
+          <a:blip r:embed="rId2">
+            <a:duotone>
+              <a:schemeClr val="bg2">
+                <a:shade val="88000"/>
+                <a:hueMod val="106000"/>
+                <a:satMod val="140000"/>
+                <a:lumMod val="54000"/>
+              </a:schemeClr>
+              <a:schemeClr val="bg2">
+                <a:tint val="98000"/>
+                <a:hueMod val="82000"/>
+                <a:satMod val="150000"/>
+                <a:lumMod val="160000"/>
+              </a:schemeClr>
+            </a:duotone>
+          </a:blip>
+          <a:stretch/>
+        </a:blipFill>
+        <a:effectLst/>
+      </p:bgPr>
+    </p:bg>
     <p:spTree>
       <p:nvGrpSpPr>
         <p:cNvPr id="1" name=""/>
@@ -12452,12 +12481,42 @@
           </a:p>
         </p:txBody>
       </p:sp>
+    </p:spTree>
+    <p:extLst>
+      <p:ext uri="{BB962C8B-B14F-4D97-AF65-F5344CB8AC3E}">
+        <p14:creationId xmlns:p14="http://schemas.microsoft.com/office/powerpoint/2010/main" val="1578655033"/>
+      </p:ext>
+    </p:extLst>
+  </p:cSld>
+  <p:clrMapOvr>
+    <a:masterClrMapping/>
+  </p:clrMapOvr>
+</p:sld>
+</file>
+
+<file path=ppt/slides/slide10.xml><?xml version="1.0" encoding="utf-8"?>
+<p:sld xmlns:a="http://schemas.openxmlformats.org/drawingml/2006/main" xmlns:r="http://schemas.openxmlformats.org/officeDocument/2006/relationships" xmlns:p="http://schemas.openxmlformats.org/presentationml/2006/main">
+  <p:cSld>
+    <p:spTree>
+      <p:nvGrpSpPr>
+        <p:cNvPr id="1" name=""/>
+        <p:cNvGrpSpPr/>
+        <p:nvPr/>
+      </p:nvGrpSpPr>
+      <p:grpSpPr>
+        <a:xfrm>
+          <a:off x="0" y="0"/>
+          <a:ext cx="0" cy="0"/>
+          <a:chOff x="0" y="0"/>
+          <a:chExt cx="0" cy="0"/>
+        </a:xfrm>
+      </p:grpSpPr>
       <p:sp>
         <p:nvSpPr>
-          <p:cNvPr id="3" name="Subtitle 2">
+          <p:cNvPr id="2" name="标题 1">
             <a:extLst>
               <a:ext uri="{FF2B5EF4-FFF2-40B4-BE49-F238E27FC236}">
-                <a16:creationId xmlns:a16="http://schemas.microsoft.com/office/drawing/2014/main" id="{D125F89F-4180-43B0-A8D6-18F309EC055C}"/>
+                <a16:creationId xmlns:a16="http://schemas.microsoft.com/office/drawing/2014/main" id="{CD6B6230-C230-4458-A83F-84D28D66EFD7}"/>
               </a:ext>
             </a:extLst>
           </p:cNvPr>
@@ -12465,22 +12524,176 @@
             <a:spLocks noGrp="1"/>
           </p:cNvSpPr>
           <p:nvPr>
-            <p:ph type="subTitle" idx="1"/>
+            <p:ph type="title"/>
           </p:nvPr>
         </p:nvSpPr>
-        <p:spPr/>
+        <p:spPr>
+          <a:xfrm>
+            <a:off x="1141413" y="618518"/>
+            <a:ext cx="9905998" cy="713325"/>
+          </a:xfrm>
+        </p:spPr>
         <p:txBody>
           <a:bodyPr/>
           <a:lstStyle/>
           <a:p>
+            <a:r>
+              <a:rPr lang="en-US" dirty="0"/>
+              <a:t>Photo Interrupter </a:t>
+            </a:r>
+            <a:r>
+              <a:rPr lang="en-US" dirty="0" err="1"/>
+              <a:t>Con’t</a:t>
+            </a:r>
             <a:endParaRPr lang="en-US" dirty="0"/>
+          </a:p>
+        </p:txBody>
+      </p:sp>
+      <p:sp>
+        <p:nvSpPr>
+          <p:cNvPr id="3" name="内容占位符 2">
+            <a:extLst>
+              <a:ext uri="{FF2B5EF4-FFF2-40B4-BE49-F238E27FC236}">
+                <a16:creationId xmlns:a16="http://schemas.microsoft.com/office/drawing/2014/main" id="{71FFC8E9-045C-442F-AD5C-BA8F9F2538C6}"/>
+              </a:ext>
+            </a:extLst>
+          </p:cNvPr>
+          <p:cNvSpPr>
+            <a:spLocks noGrp="1"/>
+          </p:cNvSpPr>
+          <p:nvPr>
+            <p:ph idx="1"/>
+          </p:nvPr>
+        </p:nvSpPr>
+        <p:spPr>
+          <a:xfrm>
+            <a:off x="1141412" y="1331843"/>
+            <a:ext cx="9905999" cy="4459358"/>
+          </a:xfrm>
+        </p:spPr>
+        <p:txBody>
+          <a:bodyPr/>
+          <a:lstStyle/>
+          <a:p>
+            <a:r>
+              <a:rPr lang="en-US" dirty="0"/>
+              <a:t>Phototransistor Circuit:</a:t>
+            </a:r>
+          </a:p>
+          <a:p>
+            <a:pPr marL="914400" lvl="2" indent="0">
+              <a:buNone/>
+            </a:pPr>
+            <a:r>
+              <a:rPr lang="en-US" sz="2800" dirty="0"/>
+              <a:t>2. Common Collector phototransistor circuit:</a:t>
+            </a:r>
+          </a:p>
+          <a:p>
+            <a:endParaRPr lang="en-US" dirty="0"/>
+          </a:p>
+        </p:txBody>
+      </p:sp>
+      <p:pic>
+        <p:nvPicPr>
+          <p:cNvPr id="4" name="Picture 3">
+            <a:extLst>
+              <a:ext uri="{FF2B5EF4-FFF2-40B4-BE49-F238E27FC236}">
+                <a16:creationId xmlns:a16="http://schemas.microsoft.com/office/drawing/2014/main" id="{FB2C5610-2555-4653-9A84-1B9E09AF3468}"/>
+              </a:ext>
+            </a:extLst>
+          </p:cNvPr>
+          <p:cNvPicPr/>
+          <p:nvPr/>
+        </p:nvPicPr>
+        <p:blipFill>
+          <a:blip r:embed="rId2"/>
+          <a:stretch>
+            <a:fillRect/>
+          </a:stretch>
+        </p:blipFill>
+        <p:spPr>
+          <a:xfrm>
+            <a:off x="947208" y="2591855"/>
+            <a:ext cx="5519853" cy="3199346"/>
+          </a:xfrm>
+          <a:prstGeom prst="rect">
+            <a:avLst/>
+          </a:prstGeom>
+        </p:spPr>
+      </p:pic>
+      <p:sp>
+        <p:nvSpPr>
+          <p:cNvPr id="5" name="矩形 4">
+            <a:extLst>
+              <a:ext uri="{FF2B5EF4-FFF2-40B4-BE49-F238E27FC236}">
+                <a16:creationId xmlns:a16="http://schemas.microsoft.com/office/drawing/2014/main" id="{CB5621AE-5BBB-4FBA-93F7-C824B5F926EF}"/>
+              </a:ext>
+            </a:extLst>
+          </p:cNvPr>
+          <p:cNvSpPr/>
+          <p:nvPr/>
+        </p:nvSpPr>
+        <p:spPr>
+          <a:xfrm>
+            <a:off x="6467061" y="2807661"/>
+            <a:ext cx="6096000" cy="830997"/>
+          </a:xfrm>
+          <a:prstGeom prst="rect">
+            <a:avLst/>
+          </a:prstGeom>
+        </p:spPr>
+        <p:txBody>
+          <a:bodyPr>
+            <a:spAutoFit/>
+          </a:bodyPr>
+          <a:lstStyle/>
+          <a:p>
+            <a:pPr marL="342900" indent="-342900">
+              <a:buFont typeface="Arial" panose="020B0604020202020204" pitchFamily="34" charset="0"/>
+              <a:buChar char="•"/>
+            </a:pPr>
+            <a:r>
+              <a:rPr lang="en-US" sz="2400" dirty="0"/>
+              <a:t>The output that moves from the </a:t>
+            </a:r>
+            <a:r>
+              <a:rPr lang="en-US" sz="2400" dirty="0">
+                <a:solidFill>
+                  <a:srgbClr val="FF0000"/>
+                </a:solidFill>
+              </a:rPr>
+              <a:t>low- state</a:t>
+            </a:r>
+            <a:r>
+              <a:rPr lang="en-US" sz="2400" dirty="0"/>
+              <a:t> </a:t>
+            </a:r>
+          </a:p>
+          <a:p>
+            <a:r>
+              <a:rPr lang="en-US" sz="2400" dirty="0"/>
+              <a:t>    to a </a:t>
+            </a:r>
+            <a:r>
+              <a:rPr lang="en-US" sz="2400" dirty="0">
+                <a:solidFill>
+                  <a:srgbClr val="FF0000"/>
+                </a:solidFill>
+              </a:rPr>
+              <a:t>high-state </a:t>
+            </a:r>
+            <a:r>
+              <a:rPr lang="en-US" sz="2400" dirty="0"/>
+              <a:t>when light is detected.</a:t>
+            </a:r>
           </a:p>
         </p:txBody>
       </p:sp>
     </p:spTree>
     <p:extLst>
       <p:ext uri="{BB962C8B-B14F-4D97-AF65-F5344CB8AC3E}">
-        <p14:creationId xmlns:p14="http://schemas.microsoft.com/office/powerpoint/2010/main" val="1578655033"/>
+        <p14:creationId xmlns:p14="http://schemas.microsoft.com/office/powerpoint/2010/main" val="3154404024"/>
       </p:ext>
     </p:extLst>
   </p:cSld>
@@ -12945,6 +13158,788 @@
     <p:extLst>
       <p:ext uri="{BB962C8B-B14F-4D97-AF65-F5344CB8AC3E}">
         <p14:creationId xmlns:p14="http://schemas.microsoft.com/office/powerpoint/2010/main" val="1834363081"/>
+      </p:ext>
+    </p:extLst>
+  </p:cSld>
+  <p:clrMapOvr>
+    <a:masterClrMapping/>
+  </p:clrMapOvr>
+</p:sld>
+</file>
+
+<file path=ppt/slides/slide6.xml><?xml version="1.0" encoding="utf-8"?>
+<p:sld xmlns:a="http://schemas.openxmlformats.org/drawingml/2006/main" xmlns:r="http://schemas.openxmlformats.org/officeDocument/2006/relationships" xmlns:p="http://schemas.openxmlformats.org/presentationml/2006/main">
+  <p:cSld>
+    <p:spTree>
+      <p:nvGrpSpPr>
+        <p:cNvPr id="1" name=""/>
+        <p:cNvGrpSpPr/>
+        <p:nvPr/>
+      </p:nvGrpSpPr>
+      <p:grpSpPr>
+        <a:xfrm>
+          <a:off x="0" y="0"/>
+          <a:ext cx="0" cy="0"/>
+          <a:chOff x="0" y="0"/>
+          <a:chExt cx="0" cy="0"/>
+        </a:xfrm>
+      </p:grpSpPr>
+      <p:sp>
+        <p:nvSpPr>
+          <p:cNvPr id="2" name="标题 1">
+            <a:extLst>
+              <a:ext uri="{FF2B5EF4-FFF2-40B4-BE49-F238E27FC236}">
+                <a16:creationId xmlns:a16="http://schemas.microsoft.com/office/drawing/2014/main" id="{1FAA6944-DB3D-4B29-9E53-F673E367C149}"/>
+              </a:ext>
+            </a:extLst>
+          </p:cNvPr>
+          <p:cNvSpPr>
+            <a:spLocks noGrp="1"/>
+          </p:cNvSpPr>
+          <p:nvPr>
+            <p:ph type="title"/>
+          </p:nvPr>
+        </p:nvSpPr>
+        <p:spPr>
+          <a:xfrm>
+            <a:off x="1141413" y="618518"/>
+            <a:ext cx="9905998" cy="812717"/>
+          </a:xfrm>
+        </p:spPr>
+        <p:txBody>
+          <a:bodyPr/>
+          <a:lstStyle/>
+          <a:p>
+            <a:r>
+              <a:rPr lang="en-US" dirty="0"/>
+              <a:t>Photo Interrupter</a:t>
+            </a:r>
+          </a:p>
+        </p:txBody>
+      </p:sp>
+      <p:sp>
+        <p:nvSpPr>
+          <p:cNvPr id="3" name="内容占位符 2">
+            <a:extLst>
+              <a:ext uri="{FF2B5EF4-FFF2-40B4-BE49-F238E27FC236}">
+                <a16:creationId xmlns:a16="http://schemas.microsoft.com/office/drawing/2014/main" id="{50E79B76-BF0E-4A75-B07E-4C5B40438EA9}"/>
+              </a:ext>
+            </a:extLst>
+          </p:cNvPr>
+          <p:cNvSpPr>
+            <a:spLocks noGrp="1"/>
+          </p:cNvSpPr>
+          <p:nvPr>
+            <p:ph idx="1"/>
+          </p:nvPr>
+        </p:nvSpPr>
+        <p:spPr>
+          <a:xfrm>
+            <a:off x="1141412" y="1345096"/>
+            <a:ext cx="9905999" cy="4856921"/>
+          </a:xfrm>
+        </p:spPr>
+        <p:txBody>
+          <a:bodyPr>
+            <a:normAutofit/>
+          </a:bodyPr>
+          <a:lstStyle/>
+          <a:p>
+            <a:r>
+              <a:rPr lang="en-US" dirty="0"/>
+              <a:t>Transmission-type photo sensor</a:t>
+            </a:r>
+          </a:p>
+          <a:p>
+            <a:pPr lvl="1"/>
+            <a:r>
+              <a:rPr lang="en-US" dirty="0"/>
+              <a:t>A light emitting elements</a:t>
+            </a:r>
+          </a:p>
+          <a:p>
+            <a:pPr lvl="1"/>
+            <a:r>
+              <a:rPr lang="en-US" dirty="0"/>
+              <a:t>A light receiving elements</a:t>
+            </a:r>
+          </a:p>
+          <a:p>
+            <a:pPr lvl="1"/>
+            <a:r>
+              <a:rPr lang="en-US" dirty="0"/>
+              <a:t>Acting as an optical switch</a:t>
+            </a:r>
+          </a:p>
+          <a:p>
+            <a:r>
+              <a:rPr lang="en-US" dirty="0"/>
+              <a:t>Infantry Robots Detector</a:t>
+            </a:r>
+          </a:p>
+          <a:p>
+            <a:pPr lvl="1"/>
+            <a:r>
+              <a:rPr lang="en-US" dirty="0"/>
+              <a:t>Signal triggers after infantry robots block infrared light</a:t>
+            </a:r>
+          </a:p>
+          <a:p>
+            <a:pPr lvl="1"/>
+            <a:r>
+              <a:rPr lang="en-US" dirty="0"/>
+              <a:t>Bullets will release from the second stage</a:t>
+            </a:r>
+          </a:p>
+          <a:p>
+            <a:r>
+              <a:rPr lang="en-US" dirty="0"/>
+              <a:t>Components: </a:t>
+            </a:r>
+          </a:p>
+          <a:p>
+            <a:pPr lvl="1"/>
+            <a:r>
+              <a:rPr lang="en-US" dirty="0"/>
+              <a:t>QED123--- Plastic Infrared Light Emitting Diode</a:t>
+            </a:r>
+          </a:p>
+          <a:p>
+            <a:pPr lvl="1"/>
+            <a:r>
+              <a:rPr lang="en-US" dirty="0"/>
+              <a:t>QSD122--- Plastic Silicon Infrared Phototransistor</a:t>
+            </a:r>
+          </a:p>
+          <a:p>
+            <a:endParaRPr lang="en-US" dirty="0"/>
+          </a:p>
+        </p:txBody>
+      </p:sp>
+    </p:spTree>
+    <p:extLst>
+      <p:ext uri="{BB962C8B-B14F-4D97-AF65-F5344CB8AC3E}">
+        <p14:creationId xmlns:p14="http://schemas.microsoft.com/office/powerpoint/2010/main" val="1552948395"/>
+      </p:ext>
+    </p:extLst>
+  </p:cSld>
+  <p:clrMapOvr>
+    <a:masterClrMapping/>
+  </p:clrMapOvr>
+</p:sld>
+</file>
+
+<file path=ppt/slides/slide7.xml><?xml version="1.0" encoding="utf-8"?>
+<p:sld xmlns:a="http://schemas.openxmlformats.org/drawingml/2006/main" xmlns:r="http://schemas.openxmlformats.org/officeDocument/2006/relationships" xmlns:p="http://schemas.openxmlformats.org/presentationml/2006/main">
+  <p:cSld>
+    <p:spTree>
+      <p:nvGrpSpPr>
+        <p:cNvPr id="1" name=""/>
+        <p:cNvGrpSpPr/>
+        <p:nvPr/>
+      </p:nvGrpSpPr>
+      <p:grpSpPr>
+        <a:xfrm>
+          <a:off x="0" y="0"/>
+          <a:ext cx="0" cy="0"/>
+          <a:chOff x="0" y="0"/>
+          <a:chExt cx="0" cy="0"/>
+        </a:xfrm>
+      </p:grpSpPr>
+      <p:sp>
+        <p:nvSpPr>
+          <p:cNvPr id="2" name="标题 1">
+            <a:extLst>
+              <a:ext uri="{FF2B5EF4-FFF2-40B4-BE49-F238E27FC236}">
+                <a16:creationId xmlns:a16="http://schemas.microsoft.com/office/drawing/2014/main" id="{CEAA4FA7-0062-453F-815D-38D401AAEAF1}"/>
+              </a:ext>
+            </a:extLst>
+          </p:cNvPr>
+          <p:cNvSpPr>
+            <a:spLocks noGrp="1"/>
+          </p:cNvSpPr>
+          <p:nvPr>
+            <p:ph type="title"/>
+          </p:nvPr>
+        </p:nvSpPr>
+        <p:spPr>
+          <a:xfrm>
+            <a:off x="1141413" y="618518"/>
+            <a:ext cx="9905998" cy="965117"/>
+          </a:xfrm>
+        </p:spPr>
+        <p:txBody>
+          <a:bodyPr/>
+          <a:lstStyle/>
+          <a:p>
+            <a:r>
+              <a:rPr lang="en-US" dirty="0"/>
+              <a:t>Photo Interrupter </a:t>
+            </a:r>
+            <a:r>
+              <a:rPr lang="en-US" dirty="0" err="1"/>
+              <a:t>Con’t</a:t>
+            </a:r>
+            <a:endParaRPr lang="en-US" dirty="0"/>
+          </a:p>
+        </p:txBody>
+      </p:sp>
+      <p:sp>
+        <p:nvSpPr>
+          <p:cNvPr id="3" name="内容占位符 2">
+            <a:extLst>
+              <a:ext uri="{FF2B5EF4-FFF2-40B4-BE49-F238E27FC236}">
+                <a16:creationId xmlns:a16="http://schemas.microsoft.com/office/drawing/2014/main" id="{009FB960-69A2-4ECC-9E55-1AE7241F77D2}"/>
+              </a:ext>
+            </a:extLst>
+          </p:cNvPr>
+          <p:cNvSpPr>
+            <a:spLocks noGrp="1"/>
+          </p:cNvSpPr>
+          <p:nvPr>
+            <p:ph idx="1"/>
+          </p:nvPr>
+        </p:nvSpPr>
+        <p:spPr>
+          <a:xfrm>
+            <a:off x="1141412" y="1583635"/>
+            <a:ext cx="9905999" cy="4207566"/>
+          </a:xfrm>
+        </p:spPr>
+        <p:txBody>
+          <a:bodyPr/>
+          <a:lstStyle/>
+          <a:p>
+            <a:r>
+              <a:rPr lang="en-US" dirty="0"/>
+              <a:t>QED123 : (Emitter)</a:t>
+            </a:r>
+          </a:p>
+          <a:p>
+            <a:endParaRPr lang="en-US" dirty="0"/>
+          </a:p>
+        </p:txBody>
+      </p:sp>
+      <p:pic>
+        <p:nvPicPr>
+          <p:cNvPr id="4" name="Picture 4">
+            <a:extLst>
+              <a:ext uri="{FF2B5EF4-FFF2-40B4-BE49-F238E27FC236}">
+                <a16:creationId xmlns:a16="http://schemas.microsoft.com/office/drawing/2014/main" id="{EE772712-482D-4CF1-8F35-CA8306FE2199}"/>
+              </a:ext>
+            </a:extLst>
+          </p:cNvPr>
+          <p:cNvPicPr>
+            <a:picLocks noChangeAspect="1"/>
+          </p:cNvPicPr>
+          <p:nvPr/>
+        </p:nvPicPr>
+        <p:blipFill>
+          <a:blip r:embed="rId2"/>
+          <a:stretch>
+            <a:fillRect/>
+          </a:stretch>
+        </p:blipFill>
+        <p:spPr>
+          <a:xfrm>
+            <a:off x="1209947" y="2374178"/>
+            <a:ext cx="1259231" cy="2875963"/>
+          </a:xfrm>
+          <a:prstGeom prst="rect">
+            <a:avLst/>
+          </a:prstGeom>
+        </p:spPr>
+      </p:pic>
+      <p:pic>
+        <p:nvPicPr>
+          <p:cNvPr id="5" name="Picture 3">
+            <a:extLst>
+              <a:ext uri="{FF2B5EF4-FFF2-40B4-BE49-F238E27FC236}">
+                <a16:creationId xmlns:a16="http://schemas.microsoft.com/office/drawing/2014/main" id="{2514B3FA-8B84-4204-BB6A-030C49E8B6A5}"/>
+              </a:ext>
+            </a:extLst>
+          </p:cNvPr>
+          <p:cNvPicPr>
+            <a:picLocks noChangeAspect="1"/>
+          </p:cNvPicPr>
+          <p:nvPr/>
+        </p:nvPicPr>
+        <p:blipFill>
+          <a:blip r:embed="rId3"/>
+          <a:stretch>
+            <a:fillRect/>
+          </a:stretch>
+        </p:blipFill>
+        <p:spPr>
+          <a:xfrm>
+            <a:off x="3034019" y="2692971"/>
+            <a:ext cx="3724275" cy="2238375"/>
+          </a:xfrm>
+          <a:prstGeom prst="rect">
+            <a:avLst/>
+          </a:prstGeom>
+        </p:spPr>
+      </p:pic>
+      <p:pic>
+        <p:nvPicPr>
+          <p:cNvPr id="6" name="Picture 6">
+            <a:extLst>
+              <a:ext uri="{FF2B5EF4-FFF2-40B4-BE49-F238E27FC236}">
+                <a16:creationId xmlns:a16="http://schemas.microsoft.com/office/drawing/2014/main" id="{75247536-4E87-42C9-9453-5603864804D4}"/>
+              </a:ext>
+            </a:extLst>
+          </p:cNvPr>
+          <p:cNvPicPr>
+            <a:picLocks noChangeAspect="1"/>
+          </p:cNvPicPr>
+          <p:nvPr/>
+        </p:nvPicPr>
+        <p:blipFill>
+          <a:blip r:embed="rId4"/>
+          <a:stretch>
+            <a:fillRect/>
+          </a:stretch>
+        </p:blipFill>
+        <p:spPr>
+          <a:xfrm>
+            <a:off x="6995599" y="1663092"/>
+            <a:ext cx="4490713" cy="4128109"/>
+          </a:xfrm>
+          <a:prstGeom prst="rect">
+            <a:avLst/>
+          </a:prstGeom>
+        </p:spPr>
+      </p:pic>
+    </p:spTree>
+    <p:extLst>
+      <p:ext uri="{BB962C8B-B14F-4D97-AF65-F5344CB8AC3E}">
+        <p14:creationId xmlns:p14="http://schemas.microsoft.com/office/powerpoint/2010/main" val="10807243"/>
+      </p:ext>
+    </p:extLst>
+  </p:cSld>
+  <p:clrMapOvr>
+    <a:masterClrMapping/>
+  </p:clrMapOvr>
+</p:sld>
+</file>
+
+<file path=ppt/slides/slide8.xml><?xml version="1.0" encoding="utf-8"?>
+<p:sld xmlns:a="http://schemas.openxmlformats.org/drawingml/2006/main" xmlns:r="http://schemas.openxmlformats.org/officeDocument/2006/relationships" xmlns:p="http://schemas.openxmlformats.org/presentationml/2006/main">
+  <p:cSld>
+    <p:spTree>
+      <p:nvGrpSpPr>
+        <p:cNvPr id="1" name=""/>
+        <p:cNvGrpSpPr/>
+        <p:nvPr/>
+      </p:nvGrpSpPr>
+      <p:grpSpPr>
+        <a:xfrm>
+          <a:off x="0" y="0"/>
+          <a:ext cx="0" cy="0"/>
+          <a:chOff x="0" y="0"/>
+          <a:chExt cx="0" cy="0"/>
+        </a:xfrm>
+      </p:grpSpPr>
+      <p:sp>
+        <p:nvSpPr>
+          <p:cNvPr id="2" name="标题 1">
+            <a:extLst>
+              <a:ext uri="{FF2B5EF4-FFF2-40B4-BE49-F238E27FC236}">
+                <a16:creationId xmlns:a16="http://schemas.microsoft.com/office/drawing/2014/main" id="{805E3844-4D90-4429-9F7A-D47AEFD240C3}"/>
+              </a:ext>
+            </a:extLst>
+          </p:cNvPr>
+          <p:cNvSpPr>
+            <a:spLocks noGrp="1"/>
+          </p:cNvSpPr>
+          <p:nvPr>
+            <p:ph type="title"/>
+          </p:nvPr>
+        </p:nvSpPr>
+        <p:spPr>
+          <a:xfrm>
+            <a:off x="1141413" y="618518"/>
+            <a:ext cx="9905998" cy="792839"/>
+          </a:xfrm>
+        </p:spPr>
+        <p:txBody>
+          <a:bodyPr/>
+          <a:lstStyle/>
+          <a:p>
+            <a:r>
+              <a:rPr lang="en-US" dirty="0"/>
+              <a:t>Photo Interrupter </a:t>
+            </a:r>
+            <a:r>
+              <a:rPr lang="en-US" dirty="0" err="1"/>
+              <a:t>Con’t</a:t>
+            </a:r>
+            <a:endParaRPr lang="en-US" dirty="0"/>
+          </a:p>
+        </p:txBody>
+      </p:sp>
+      <p:sp>
+        <p:nvSpPr>
+          <p:cNvPr id="3" name="内容占位符 2">
+            <a:extLst>
+              <a:ext uri="{FF2B5EF4-FFF2-40B4-BE49-F238E27FC236}">
+                <a16:creationId xmlns:a16="http://schemas.microsoft.com/office/drawing/2014/main" id="{B16560B0-D573-4020-96E1-B05DEF3622FD}"/>
+              </a:ext>
+            </a:extLst>
+          </p:cNvPr>
+          <p:cNvSpPr>
+            <a:spLocks noGrp="1"/>
+          </p:cNvSpPr>
+          <p:nvPr>
+            <p:ph idx="1"/>
+          </p:nvPr>
+        </p:nvSpPr>
+        <p:spPr>
+          <a:xfrm>
+            <a:off x="1141412" y="1411357"/>
+            <a:ext cx="9905999" cy="4379844"/>
+          </a:xfrm>
+        </p:spPr>
+        <p:txBody>
+          <a:bodyPr/>
+          <a:lstStyle/>
+          <a:p>
+            <a:r>
+              <a:rPr lang="en-US" dirty="0"/>
+              <a:t>QSD122: (Detector)</a:t>
+            </a:r>
+          </a:p>
+          <a:p>
+            <a:endParaRPr lang="en-US" dirty="0"/>
+          </a:p>
+        </p:txBody>
+      </p:sp>
+      <p:pic>
+        <p:nvPicPr>
+          <p:cNvPr id="4" name="Picture 3">
+            <a:extLst>
+              <a:ext uri="{FF2B5EF4-FFF2-40B4-BE49-F238E27FC236}">
+                <a16:creationId xmlns:a16="http://schemas.microsoft.com/office/drawing/2014/main" id="{113F4D3B-E738-417B-B571-3C6F394CA64B}"/>
+              </a:ext>
+            </a:extLst>
+          </p:cNvPr>
+          <p:cNvPicPr>
+            <a:picLocks noChangeAspect="1"/>
+          </p:cNvPicPr>
+          <p:nvPr/>
+        </p:nvPicPr>
+        <p:blipFill>
+          <a:blip r:embed="rId2"/>
+          <a:stretch>
+            <a:fillRect/>
+          </a:stretch>
+        </p:blipFill>
+        <p:spPr>
+          <a:xfrm>
+            <a:off x="838200" y="1958823"/>
+            <a:ext cx="1457325" cy="3190875"/>
+          </a:xfrm>
+          <a:prstGeom prst="rect">
+            <a:avLst/>
+          </a:prstGeom>
+        </p:spPr>
+      </p:pic>
+      <p:pic>
+        <p:nvPicPr>
+          <p:cNvPr id="5" name="Picture 4">
+            <a:extLst>
+              <a:ext uri="{FF2B5EF4-FFF2-40B4-BE49-F238E27FC236}">
+                <a16:creationId xmlns:a16="http://schemas.microsoft.com/office/drawing/2014/main" id="{3CF551E3-9E36-4622-BE5B-BA3A8F06A479}"/>
+              </a:ext>
+            </a:extLst>
+          </p:cNvPr>
+          <p:cNvPicPr>
+            <a:picLocks noChangeAspect="1"/>
+          </p:cNvPicPr>
+          <p:nvPr/>
+        </p:nvPicPr>
+        <p:blipFill>
+          <a:blip r:embed="rId3"/>
+          <a:stretch>
+            <a:fillRect/>
+          </a:stretch>
+        </p:blipFill>
+        <p:spPr>
+          <a:xfrm>
+            <a:off x="2598737" y="2247671"/>
+            <a:ext cx="3148075" cy="2613177"/>
+          </a:xfrm>
+          <a:prstGeom prst="rect">
+            <a:avLst/>
+          </a:prstGeom>
+        </p:spPr>
+      </p:pic>
+      <p:sp>
+        <p:nvSpPr>
+          <p:cNvPr id="6" name="矩形 5">
+            <a:extLst>
+              <a:ext uri="{FF2B5EF4-FFF2-40B4-BE49-F238E27FC236}">
+                <a16:creationId xmlns:a16="http://schemas.microsoft.com/office/drawing/2014/main" id="{0161C448-E36F-41FD-BB86-B5B46FFF815F}"/>
+              </a:ext>
+            </a:extLst>
+          </p:cNvPr>
+          <p:cNvSpPr/>
+          <p:nvPr/>
+        </p:nvSpPr>
+        <p:spPr>
+          <a:xfrm>
+            <a:off x="6050024" y="2400950"/>
+            <a:ext cx="6096000" cy="1569660"/>
+          </a:xfrm>
+          <a:prstGeom prst="rect">
+            <a:avLst/>
+          </a:prstGeom>
+        </p:spPr>
+        <p:txBody>
+          <a:bodyPr>
+            <a:spAutoFit/>
+          </a:bodyPr>
+          <a:lstStyle/>
+          <a:p>
+            <a:pPr marL="342900" indent="-342900">
+              <a:buFont typeface="Arial" panose="020B0604020202020204" pitchFamily="34" charset="0"/>
+              <a:buChar char="•"/>
+            </a:pPr>
+            <a:r>
+              <a:rPr lang="en-US" sz="2400" dirty="0"/>
+              <a:t>The base is left disconnected</a:t>
+            </a:r>
+          </a:p>
+          <a:p>
+            <a:endParaRPr lang="en-US" sz="2400" dirty="0"/>
+          </a:p>
+          <a:p>
+            <a:pPr marL="342900" indent="-342900">
+              <a:buFont typeface="Arial" panose="020B0604020202020204" pitchFamily="34" charset="0"/>
+              <a:buChar char="•"/>
+            </a:pPr>
+            <a:r>
+              <a:rPr lang="en-US" sz="2400" dirty="0"/>
+              <a:t>Light is used to enable the current flow through the phototransistor.</a:t>
+            </a:r>
+          </a:p>
+        </p:txBody>
+      </p:sp>
+    </p:spTree>
+    <p:extLst>
+      <p:ext uri="{BB962C8B-B14F-4D97-AF65-F5344CB8AC3E}">
+        <p14:creationId xmlns:p14="http://schemas.microsoft.com/office/powerpoint/2010/main" val="198784712"/>
+      </p:ext>
+    </p:extLst>
+  </p:cSld>
+  <p:clrMapOvr>
+    <a:masterClrMapping/>
+  </p:clrMapOvr>
+</p:sld>
+</file>
+
+<file path=ppt/slides/slide9.xml><?xml version="1.0" encoding="utf-8"?>
+<p:sld xmlns:a="http://schemas.openxmlformats.org/drawingml/2006/main" xmlns:r="http://schemas.openxmlformats.org/officeDocument/2006/relationships" xmlns:p="http://schemas.openxmlformats.org/presentationml/2006/main">
+  <p:cSld>
+    <p:spTree>
+      <p:nvGrpSpPr>
+        <p:cNvPr id="1" name=""/>
+        <p:cNvGrpSpPr/>
+        <p:nvPr/>
+      </p:nvGrpSpPr>
+      <p:grpSpPr>
+        <a:xfrm>
+          <a:off x="0" y="0"/>
+          <a:ext cx="0" cy="0"/>
+          <a:chOff x="0" y="0"/>
+          <a:chExt cx="0" cy="0"/>
+        </a:xfrm>
+      </p:grpSpPr>
+      <p:sp>
+        <p:nvSpPr>
+          <p:cNvPr id="2" name="标题 1">
+            <a:extLst>
+              <a:ext uri="{FF2B5EF4-FFF2-40B4-BE49-F238E27FC236}">
+                <a16:creationId xmlns:a16="http://schemas.microsoft.com/office/drawing/2014/main" id="{64862B28-F886-498E-BA81-CB3FB9D4B900}"/>
+              </a:ext>
+            </a:extLst>
+          </p:cNvPr>
+          <p:cNvSpPr>
+            <a:spLocks noGrp="1"/>
+          </p:cNvSpPr>
+          <p:nvPr>
+            <p:ph type="title"/>
+          </p:nvPr>
+        </p:nvSpPr>
+        <p:spPr/>
+        <p:txBody>
+          <a:bodyPr/>
+          <a:lstStyle/>
+          <a:p>
+            <a:r>
+              <a:rPr lang="en-US" dirty="0"/>
+              <a:t>Photo Interrupter </a:t>
+            </a:r>
+            <a:r>
+              <a:rPr lang="en-US" dirty="0" err="1"/>
+              <a:t>Con’t</a:t>
+            </a:r>
+            <a:endParaRPr lang="en-US" dirty="0"/>
+          </a:p>
+        </p:txBody>
+      </p:sp>
+      <p:sp>
+        <p:nvSpPr>
+          <p:cNvPr id="3" name="内容占位符 2">
+            <a:extLst>
+              <a:ext uri="{FF2B5EF4-FFF2-40B4-BE49-F238E27FC236}">
+                <a16:creationId xmlns:a16="http://schemas.microsoft.com/office/drawing/2014/main" id="{76759E00-0AE3-4FBB-B0EE-9858270EC1B5}"/>
+              </a:ext>
+            </a:extLst>
+          </p:cNvPr>
+          <p:cNvSpPr>
+            <a:spLocks noGrp="1"/>
+          </p:cNvSpPr>
+          <p:nvPr>
+            <p:ph idx="1"/>
+          </p:nvPr>
+        </p:nvSpPr>
+        <p:spPr>
+          <a:xfrm>
+            <a:off x="1141412" y="1696278"/>
+            <a:ext cx="9905999" cy="4094923"/>
+          </a:xfrm>
+        </p:spPr>
+        <p:txBody>
+          <a:bodyPr/>
+          <a:lstStyle/>
+          <a:p>
+            <a:r>
+              <a:rPr lang="en-US" dirty="0"/>
+              <a:t>Phototransistor Circuit:</a:t>
+            </a:r>
+          </a:p>
+          <a:p>
+            <a:pPr marL="0" indent="0">
+              <a:buNone/>
+            </a:pPr>
+            <a:r>
+              <a:rPr lang="en-US" dirty="0"/>
+              <a:t>	1. Common Emitter phototransistor circuit:</a:t>
+            </a:r>
+          </a:p>
+          <a:p>
+            <a:endParaRPr lang="en-US" dirty="0"/>
+          </a:p>
+        </p:txBody>
+      </p:sp>
+      <p:pic>
+        <p:nvPicPr>
+          <p:cNvPr id="4" name="Picture 5">
+            <a:extLst>
+              <a:ext uri="{FF2B5EF4-FFF2-40B4-BE49-F238E27FC236}">
+                <a16:creationId xmlns:a16="http://schemas.microsoft.com/office/drawing/2014/main" id="{30E6E704-EA3C-416D-949F-5DA83B00467E}"/>
+              </a:ext>
+            </a:extLst>
+          </p:cNvPr>
+          <p:cNvPicPr/>
+          <p:nvPr/>
+        </p:nvPicPr>
+        <p:blipFill>
+          <a:blip r:embed="rId2"/>
+          <a:stretch>
+            <a:fillRect/>
+          </a:stretch>
+        </p:blipFill>
+        <p:spPr>
+          <a:xfrm>
+            <a:off x="1139868" y="2806573"/>
+            <a:ext cx="4147356" cy="3107343"/>
+          </a:xfrm>
+          <a:prstGeom prst="rect">
+            <a:avLst/>
+          </a:prstGeom>
+        </p:spPr>
+      </p:pic>
+      <p:sp>
+        <p:nvSpPr>
+          <p:cNvPr id="5" name="矩形 4">
+            <a:extLst>
+              <a:ext uri="{FF2B5EF4-FFF2-40B4-BE49-F238E27FC236}">
+                <a16:creationId xmlns:a16="http://schemas.microsoft.com/office/drawing/2014/main" id="{14F12537-4E80-4FD3-B910-DF095ADD3B2D}"/>
+              </a:ext>
+            </a:extLst>
+          </p:cNvPr>
+          <p:cNvSpPr/>
+          <p:nvPr/>
+        </p:nvSpPr>
+        <p:spPr>
+          <a:xfrm>
+            <a:off x="5473148" y="3047497"/>
+            <a:ext cx="6096000" cy="1323439"/>
+          </a:xfrm>
+          <a:prstGeom prst="rect">
+            <a:avLst/>
+          </a:prstGeom>
+        </p:spPr>
+        <p:txBody>
+          <a:bodyPr>
+            <a:spAutoFit/>
+          </a:bodyPr>
+          <a:lstStyle/>
+          <a:p>
+            <a:pPr marL="342900" indent="-342900">
+              <a:buFont typeface="Arial" panose="020B0604020202020204" pitchFamily="34" charset="0"/>
+              <a:buChar char="•"/>
+            </a:pPr>
+            <a:r>
+              <a:rPr lang="en-US" sz="2000" dirty="0"/>
+              <a:t>Light is detected</a:t>
+            </a:r>
+          </a:p>
+          <a:p>
+            <a:endParaRPr lang="en-US" sz="2000" dirty="0"/>
+          </a:p>
+          <a:p>
+            <a:pPr marL="342900" indent="-342900">
+              <a:buFont typeface="Arial" panose="020B0604020202020204" pitchFamily="34" charset="0"/>
+              <a:buChar char="•"/>
+            </a:pPr>
+            <a:r>
+              <a:rPr lang="en-US" sz="2000" dirty="0"/>
+              <a:t>The output moves from a </a:t>
+            </a:r>
+            <a:r>
+              <a:rPr lang="en-US" sz="2000" dirty="0">
+                <a:solidFill>
+                  <a:srgbClr val="FF0000"/>
+                </a:solidFill>
+              </a:rPr>
+              <a:t>high-voltage</a:t>
+            </a:r>
+            <a:r>
+              <a:rPr lang="en-US" sz="2000" dirty="0"/>
+              <a:t> state to a </a:t>
+            </a:r>
+            <a:r>
+              <a:rPr lang="en-US" sz="2000" dirty="0">
+                <a:solidFill>
+                  <a:srgbClr val="FF0000"/>
+                </a:solidFill>
+              </a:rPr>
+              <a:t>low-voltage</a:t>
+            </a:r>
+            <a:r>
+              <a:rPr lang="en-US" sz="2000" dirty="0"/>
+              <a:t> state.</a:t>
+            </a:r>
+          </a:p>
+        </p:txBody>
+      </p:sp>
+    </p:spTree>
+    <p:extLst>
+      <p:ext uri="{BB962C8B-B14F-4D97-AF65-F5344CB8AC3E}">
+        <p14:creationId xmlns:p14="http://schemas.microsoft.com/office/powerpoint/2010/main" val="265251146"/>
       </p:ext>
     </p:extLst>
   </p:cSld>
